--- a/Materials/figures manually created/Fig. Overview of data preparation process.pptx
+++ b/Materials/figures manually created/Fig. Overview of data preparation process.pptx
@@ -5,14 +5,12 @@
     <p:sldMasterId id="2147483648" r:id="rId1"/>
   </p:sldMasterIdLst>
   <p:notesMasterIdLst>
-    <p:notesMasterId r:id="rId5"/>
+    <p:notesMasterId r:id="rId3"/>
   </p:notesMasterIdLst>
   <p:sldIdLst>
-    <p:sldId id="256" r:id="rId2"/>
-    <p:sldId id="351" r:id="rId3"/>
-    <p:sldId id="323" r:id="rId4"/>
+    <p:sldId id="352" r:id="rId2"/>
   </p:sldIdLst>
-  <p:sldSz cx="12192000" cy="6858000"/>
+  <p:sldSz cx="5940425" cy="8459788"/>
   <p:notesSz cx="6858000" cy="9144000"/>
   <p:defaultTextStyle>
     <a:defPPr>
@@ -199,7 +197,7 @@
           <a:p>
             <a:fld id="{68E57385-BFF9-429F-8B12-0940D9BFDC0F}" type="datetimeFigureOut">
               <a:rPr lang="en-US" smtClean="0"/>
-              <a:t>8/1/2024</a:t>
+              <a:t>8/5/2024</a:t>
             </a:fld>
             <a:endParaRPr lang="en-US"/>
           </a:p>
@@ -217,8 +215,8 @@
         </p:nvSpPr>
         <p:spPr>
           <a:xfrm>
-            <a:off x="685800" y="1143000"/>
-            <a:ext cx="5486400" cy="3086100"/>
+            <a:off x="2344738" y="1143000"/>
+            <a:ext cx="2168525" cy="3086100"/>
           </a:xfrm>
           <a:prstGeom prst="rect">
             <a:avLst/>
@@ -494,7 +492,12 @@
             <p:ph type="sldImg"/>
           </p:nvPr>
         </p:nvSpPr>
-        <p:spPr/>
+        <p:spPr>
+          <a:xfrm>
+            <a:off x="2344738" y="1143000"/>
+            <a:ext cx="2168525" cy="3086100"/>
+          </a:xfrm>
+        </p:spPr>
       </p:sp>
       <p:sp>
         <p:nvSpPr>
@@ -528,11 +531,7 @@
               <a:tabLst/>
               <a:defRPr/>
             </a:pPr>
-            <a:endParaRPr lang="de-DE" sz="1800" noProof="0" dirty="0">
-              <a:effectLst/>
-              <a:latin typeface="Times New Roman" panose="02020603050405020304" pitchFamily="18" charset="0"/>
-              <a:ea typeface="Calibri" panose="020F0502020204030204" pitchFamily="34" charset="0"/>
-            </a:endParaRPr>
+            <a:endParaRPr lang="de-DE" dirty="0"/>
           </a:p>
         </p:txBody>
       </p:sp>
@@ -553,7 +552,7 @@
           <a:p>
             <a:fld id="{28FCEC26-D181-4CB4-B665-D6D96AE6AE52}" type="slidenum">
               <a:rPr lang="de-DE" smtClean="0"/>
-              <a:t>2</a:t>
+              <a:t>1</a:t>
             </a:fld>
             <a:endParaRPr lang="de-DE"/>
           </a:p>
@@ -562,108 +561,7 @@
     </p:spTree>
     <p:extLst>
       <p:ext uri="{BB962C8B-B14F-4D97-AF65-F5344CB8AC3E}">
-        <p14:creationId xmlns:p14="http://schemas.microsoft.com/office/powerpoint/2010/main" val="2090232711"/>
-      </p:ext>
-    </p:extLst>
-  </p:cSld>
-  <p:clrMapOvr>
-    <a:masterClrMapping/>
-  </p:clrMapOvr>
-</p:notes>
-</file>
-
-<file path=ppt/notesSlides/notesSlide2.xml><?xml version="1.0" encoding="utf-8"?>
-<p:notes xmlns:a="http://schemas.openxmlformats.org/drawingml/2006/main" xmlns:r="http://schemas.openxmlformats.org/officeDocument/2006/relationships" xmlns:p="http://schemas.openxmlformats.org/presentationml/2006/main">
-  <p:cSld>
-    <p:spTree>
-      <p:nvGrpSpPr>
-        <p:cNvPr id="1" name=""/>
-        <p:cNvGrpSpPr/>
-        <p:nvPr/>
-      </p:nvGrpSpPr>
-      <p:grpSpPr>
-        <a:xfrm>
-          <a:off x="0" y="0"/>
-          <a:ext cx="0" cy="0"/>
-          <a:chOff x="0" y="0"/>
-          <a:chExt cx="0" cy="0"/>
-        </a:xfrm>
-      </p:grpSpPr>
-      <p:sp>
-        <p:nvSpPr>
-          <p:cNvPr id="2" name="Folienbildplatzhalter 1"/>
-          <p:cNvSpPr>
-            <a:spLocks noGrp="1" noRot="1" noChangeAspect="1"/>
-          </p:cNvSpPr>
-          <p:nvPr>
-            <p:ph type="sldImg"/>
-          </p:nvPr>
-        </p:nvSpPr>
-        <p:spPr/>
-      </p:sp>
-      <p:sp>
-        <p:nvSpPr>
-          <p:cNvPr id="3" name="Notizenplatzhalter 2"/>
-          <p:cNvSpPr>
-            <a:spLocks noGrp="1"/>
-          </p:cNvSpPr>
-          <p:nvPr>
-            <p:ph type="body" idx="1"/>
-          </p:nvPr>
-        </p:nvSpPr>
-        <p:spPr/>
-        <p:txBody>
-          <a:bodyPr/>
-          <a:lstStyle/>
-          <a:p>
-            <a:pPr marL="0" marR="0" lvl="0" indent="0" algn="l" defTabSz="914400" rtl="0" eaLnBrk="1" fontAlgn="auto" latinLnBrk="0" hangingPunct="1">
-              <a:lnSpc>
-                <a:spcPct val="100000"/>
-              </a:lnSpc>
-              <a:spcBef>
-                <a:spcPts val="0"/>
-              </a:spcBef>
-              <a:spcAft>
-                <a:spcPts val="0"/>
-              </a:spcAft>
-              <a:buClrTx/>
-              <a:buSzTx/>
-              <a:buFontTx/>
-              <a:buNone/>
-              <a:tabLst/>
-              <a:defRPr/>
-            </a:pPr>
-            <a:endParaRPr lang="de-DE" dirty="0"/>
-          </a:p>
-        </p:txBody>
-      </p:sp>
-      <p:sp>
-        <p:nvSpPr>
-          <p:cNvPr id="4" name="Foliennummernplatzhalter 3"/>
-          <p:cNvSpPr>
-            <a:spLocks noGrp="1"/>
-          </p:cNvSpPr>
-          <p:nvPr>
-            <p:ph type="sldNum" sz="quarter" idx="5"/>
-          </p:nvPr>
-        </p:nvSpPr>
-        <p:spPr/>
-        <p:txBody>
-          <a:bodyPr/>
-          <a:lstStyle/>
-          <a:p>
-            <a:fld id="{28FCEC26-D181-4CB4-B665-D6D96AE6AE52}" type="slidenum">
-              <a:rPr lang="de-DE" smtClean="0"/>
-              <a:t>3</a:t>
-            </a:fld>
-            <a:endParaRPr lang="de-DE"/>
-          </a:p>
-        </p:txBody>
-      </p:sp>
-    </p:spTree>
-    <p:extLst>
-      <p:ext uri="{BB962C8B-B14F-4D97-AF65-F5344CB8AC3E}">
-        <p14:creationId xmlns:p14="http://schemas.microsoft.com/office/powerpoint/2010/main" val="286920972"/>
+        <p14:creationId xmlns:p14="http://schemas.microsoft.com/office/powerpoint/2010/main" val="2667568950"/>
       </p:ext>
     </p:extLst>
   </p:cSld>
@@ -708,15 +606,15 @@
         </p:nvSpPr>
         <p:spPr>
           <a:xfrm>
-            <a:off x="1524000" y="1122363"/>
-            <a:ext cx="9144000" cy="2387600"/>
+            <a:off x="742559" y="1384512"/>
+            <a:ext cx="4455318" cy="2945259"/>
           </a:xfrm>
         </p:spPr>
         <p:txBody>
           <a:bodyPr anchor="b"/>
           <a:lstStyle>
             <a:lvl1pPr algn="ctr">
-              <a:defRPr sz="6000"/>
+              <a:defRPr sz="12906"/>
             </a:lvl1pPr>
           </a:lstStyle>
           <a:p>
@@ -745,8 +643,8 @@
         </p:nvSpPr>
         <p:spPr>
           <a:xfrm>
-            <a:off x="1524000" y="3602038"/>
-            <a:ext cx="9144000" cy="1655762"/>
+            <a:off x="742559" y="4443350"/>
+            <a:ext cx="4455318" cy="2042490"/>
           </a:xfrm>
         </p:spPr>
         <p:txBody>
@@ -754,39 +652,39 @@
           <a:lstStyle>
             <a:lvl1pPr marL="0" indent="0" algn="ctr">
               <a:buNone/>
-              <a:defRPr sz="2400"/>
+              <a:defRPr sz="5163"/>
             </a:lvl1pPr>
-            <a:lvl2pPr marL="457200" indent="0" algn="ctr">
-              <a:buNone/>
-              <a:defRPr sz="2000"/>
+            <a:lvl2pPr marL="983452" indent="0" algn="ctr">
+              <a:buNone/>
+              <a:defRPr sz="4302"/>
             </a:lvl2pPr>
-            <a:lvl3pPr marL="914400" indent="0" algn="ctr">
-              <a:buNone/>
-              <a:defRPr sz="1800"/>
+            <a:lvl3pPr marL="1966903" indent="0" algn="ctr">
+              <a:buNone/>
+              <a:defRPr sz="3872"/>
             </a:lvl3pPr>
-            <a:lvl4pPr marL="1371600" indent="0" algn="ctr">
-              <a:buNone/>
-              <a:defRPr sz="1600"/>
+            <a:lvl4pPr marL="2950356" indent="0" algn="ctr">
+              <a:buNone/>
+              <a:defRPr sz="3441"/>
             </a:lvl4pPr>
-            <a:lvl5pPr marL="1828800" indent="0" algn="ctr">
-              <a:buNone/>
-              <a:defRPr sz="1600"/>
+            <a:lvl5pPr marL="3933809" indent="0" algn="ctr">
+              <a:buNone/>
+              <a:defRPr sz="3441"/>
             </a:lvl5pPr>
-            <a:lvl6pPr marL="2286000" indent="0" algn="ctr">
-              <a:buNone/>
-              <a:defRPr sz="1600"/>
+            <a:lvl6pPr marL="4917261" indent="0" algn="ctr">
+              <a:buNone/>
+              <a:defRPr sz="3441"/>
             </a:lvl6pPr>
-            <a:lvl7pPr marL="2743200" indent="0" algn="ctr">
-              <a:buNone/>
-              <a:defRPr sz="1600"/>
+            <a:lvl7pPr marL="5900713" indent="0" algn="ctr">
+              <a:buNone/>
+              <a:defRPr sz="3441"/>
             </a:lvl7pPr>
-            <a:lvl8pPr marL="3200400" indent="0" algn="ctr">
-              <a:buNone/>
-              <a:defRPr sz="1600"/>
+            <a:lvl8pPr marL="6884165" indent="0" algn="ctr">
+              <a:buNone/>
+              <a:defRPr sz="3441"/>
             </a:lvl8pPr>
-            <a:lvl9pPr marL="3657600" indent="0" algn="ctr">
-              <a:buNone/>
-              <a:defRPr sz="1600"/>
+            <a:lvl9pPr marL="7867616" indent="0" algn="ctr">
+              <a:buNone/>
+              <a:defRPr sz="3441"/>
             </a:lvl9pPr>
           </a:lstStyle>
           <a:p>
@@ -820,7 +718,7 @@
           <a:p>
             <a:fld id="{6C69BBB5-676D-4F44-9A00-181B7A6F52CE}" type="datetimeFigureOut">
               <a:rPr lang="de-DE" smtClean="0"/>
-              <a:t>01.08.2024</a:t>
+              <a:t>05.08.2024</a:t>
             </a:fld>
             <a:endParaRPr lang="de-DE"/>
           </a:p>
@@ -1018,7 +916,7 @@
           <a:p>
             <a:fld id="{6C69BBB5-676D-4F44-9A00-181B7A6F52CE}" type="datetimeFigureOut">
               <a:rPr lang="de-DE" smtClean="0"/>
-              <a:t>01.08.2024</a:t>
+              <a:t>05.08.2024</a:t>
             </a:fld>
             <a:endParaRPr lang="de-DE"/>
           </a:p>
@@ -1126,8 +1024,8 @@
         </p:nvSpPr>
         <p:spPr>
           <a:xfrm>
-            <a:off x="8724900" y="365125"/>
-            <a:ext cx="2628900" cy="5811838"/>
+            <a:off x="4251126" y="450406"/>
+            <a:ext cx="1280904" cy="7169279"/>
           </a:xfrm>
         </p:spPr>
         <p:txBody>
@@ -1159,8 +1057,8 @@
         </p:nvSpPr>
         <p:spPr>
           <a:xfrm>
-            <a:off x="838200" y="365125"/>
-            <a:ext cx="7734300" cy="5811838"/>
+            <a:off x="408404" y="450406"/>
+            <a:ext cx="3768457" cy="7169279"/>
           </a:xfrm>
         </p:spPr>
         <p:txBody>
@@ -1226,7 +1124,7 @@
           <a:p>
             <a:fld id="{6C69BBB5-676D-4F44-9A00-181B7A6F52CE}" type="datetimeFigureOut">
               <a:rPr lang="de-DE" smtClean="0"/>
-              <a:t>01.08.2024</a:t>
+              <a:t>05.08.2024</a:t>
             </a:fld>
             <a:endParaRPr lang="de-DE"/>
           </a:p>
@@ -1362,14 +1260,14 @@
         </p:nvSpPr>
         <p:spPr>
           <a:xfrm>
-            <a:off x="442913" y="1881188"/>
-            <a:ext cx="11341099" cy="4319587"/>
+            <a:off x="215806" y="2320570"/>
+            <a:ext cx="5525833" cy="5328491"/>
           </a:xfrm>
         </p:spPr>
         <p:txBody>
           <a:bodyPr/>
           <a:lstStyle>
-            <a:lvl1pPr marL="216000">
+            <a:lvl1pPr marL="464623">
               <a:defRPr/>
             </a:lvl1pPr>
           </a:lstStyle>
@@ -1434,7 +1332,7 @@
           <a:p>
             <a:fld id="{4EACA74D-5BE1-4B96-AD61-3AB0A5E02EC7}" type="datetime4">
               <a:rPr lang="de-DE" smtClean="0"/>
-              <a:t>1. August 2024</a:t>
+              <a:t>5. August 2024</a:t>
             </a:fld>
             <a:endParaRPr lang="de-DE" dirty="0"/>
           </a:p>
@@ -1509,35 +1407,35 @@
   <p:clrMapOvr>
     <a:masterClrMapping/>
   </p:clrMapOvr>
-  <p:extLst>
+  <p:extLst mod="1">
     <p:ext uri="{DCECCB84-F9BA-43D5-87BE-67443E8EF086}">
       <p15:sldGuideLst xmlns:p15="http://schemas.microsoft.com/office/powerpoint/2012/main">
-        <p15:guide id="2" orient="horz" pos="1185">
+        <p15:guide id="2" orient="horz" pos="1461" userDrawn="1">
           <p15:clr>
             <a:srgbClr val="FBAE40"/>
           </p15:clr>
         </p15:guide>
-        <p15:guide id="3" pos="279">
+        <p15:guide id="3" pos="136" userDrawn="1">
           <p15:clr>
             <a:srgbClr val="FBAE40"/>
           </p15:clr>
         </p15:guide>
-        <p15:guide id="4" pos="7423">
+        <p15:guide id="4" pos="3617" userDrawn="1">
           <p15:clr>
             <a:srgbClr val="FBAE40"/>
           </p15:clr>
         </p15:guide>
-        <p15:guide id="5" orient="horz" pos="232">
+        <p15:guide id="5" orient="horz" pos="287" userDrawn="1">
           <p15:clr>
             <a:srgbClr val="FBAE40"/>
           </p15:clr>
         </p15:guide>
-        <p15:guide id="6" orient="horz" pos="1071">
+        <p15:guide id="6" orient="horz" pos="1320" userDrawn="1">
           <p15:clr>
             <a:srgbClr val="FBAE40"/>
           </p15:clr>
         </p15:guide>
-        <p15:guide id="7" orient="horz" pos="3906">
+        <p15:guide id="7" orient="horz" pos="4819" userDrawn="1">
           <p15:clr>
             <a:srgbClr val="FBAE40"/>
           </p15:clr>
@@ -1673,7 +1571,7 @@
           <a:p>
             <a:fld id="{6C69BBB5-676D-4F44-9A00-181B7A6F52CE}" type="datetimeFigureOut">
               <a:rPr lang="de-DE" smtClean="0"/>
-              <a:t>01.08.2024</a:t>
+              <a:t>05.08.2024</a:t>
             </a:fld>
             <a:endParaRPr lang="de-DE"/>
           </a:p>
@@ -1781,15 +1679,15 @@
         </p:nvSpPr>
         <p:spPr>
           <a:xfrm>
-            <a:off x="831850" y="1709738"/>
-            <a:ext cx="10515600" cy="2852737"/>
+            <a:off x="405321" y="2109078"/>
+            <a:ext cx="5123617" cy="3519036"/>
           </a:xfrm>
         </p:spPr>
         <p:txBody>
           <a:bodyPr anchor="b"/>
           <a:lstStyle>
             <a:lvl1pPr>
-              <a:defRPr sz="6000"/>
+              <a:defRPr sz="12906"/>
             </a:lvl1pPr>
           </a:lstStyle>
           <a:p>
@@ -1818,8 +1716,8 @@
         </p:nvSpPr>
         <p:spPr>
           <a:xfrm>
-            <a:off x="831850" y="4589463"/>
-            <a:ext cx="10515600" cy="1500187"/>
+            <a:off x="405321" y="5661407"/>
+            <a:ext cx="5123617" cy="1850577"/>
           </a:xfrm>
         </p:spPr>
         <p:txBody>
@@ -1827,7 +1725,7 @@
           <a:lstStyle>
             <a:lvl1pPr marL="0" indent="0">
               <a:buNone/>
-              <a:defRPr sz="2400">
+              <a:defRPr sz="5163">
                 <a:solidFill>
                   <a:schemeClr val="tx1">
                     <a:tint val="82000"/>
@@ -1835,9 +1733,9 @@
                 </a:solidFill>
               </a:defRPr>
             </a:lvl1pPr>
-            <a:lvl2pPr marL="457200" indent="0">
-              <a:buNone/>
-              <a:defRPr sz="2000">
+            <a:lvl2pPr marL="983452" indent="0">
+              <a:buNone/>
+              <a:defRPr sz="4302">
                 <a:solidFill>
                   <a:schemeClr val="tx1">
                     <a:tint val="82000"/>
@@ -1845,9 +1743,9 @@
                 </a:solidFill>
               </a:defRPr>
             </a:lvl2pPr>
-            <a:lvl3pPr marL="914400" indent="0">
-              <a:buNone/>
-              <a:defRPr sz="1800">
+            <a:lvl3pPr marL="1966903" indent="0">
+              <a:buNone/>
+              <a:defRPr sz="3872">
                 <a:solidFill>
                   <a:schemeClr val="tx1">
                     <a:tint val="82000"/>
@@ -1855,9 +1753,9 @@
                 </a:solidFill>
               </a:defRPr>
             </a:lvl3pPr>
-            <a:lvl4pPr marL="1371600" indent="0">
-              <a:buNone/>
-              <a:defRPr sz="1600">
+            <a:lvl4pPr marL="2950356" indent="0">
+              <a:buNone/>
+              <a:defRPr sz="3441">
                 <a:solidFill>
                   <a:schemeClr val="tx1">
                     <a:tint val="82000"/>
@@ -1865,9 +1763,9 @@
                 </a:solidFill>
               </a:defRPr>
             </a:lvl4pPr>
-            <a:lvl5pPr marL="1828800" indent="0">
-              <a:buNone/>
-              <a:defRPr sz="1600">
+            <a:lvl5pPr marL="3933809" indent="0">
+              <a:buNone/>
+              <a:defRPr sz="3441">
                 <a:solidFill>
                   <a:schemeClr val="tx1">
                     <a:tint val="82000"/>
@@ -1875,9 +1773,9 @@
                 </a:solidFill>
               </a:defRPr>
             </a:lvl5pPr>
-            <a:lvl6pPr marL="2286000" indent="0">
-              <a:buNone/>
-              <a:defRPr sz="1600">
+            <a:lvl6pPr marL="4917261" indent="0">
+              <a:buNone/>
+              <a:defRPr sz="3441">
                 <a:solidFill>
                   <a:schemeClr val="tx1">
                     <a:tint val="82000"/>
@@ -1885,9 +1783,9 @@
                 </a:solidFill>
               </a:defRPr>
             </a:lvl6pPr>
-            <a:lvl7pPr marL="2743200" indent="0">
-              <a:buNone/>
-              <a:defRPr sz="1600">
+            <a:lvl7pPr marL="5900713" indent="0">
+              <a:buNone/>
+              <a:defRPr sz="3441">
                 <a:solidFill>
                   <a:schemeClr val="tx1">
                     <a:tint val="82000"/>
@@ -1895,9 +1793,9 @@
                 </a:solidFill>
               </a:defRPr>
             </a:lvl7pPr>
-            <a:lvl8pPr marL="3200400" indent="0">
-              <a:buNone/>
-              <a:defRPr sz="1600">
+            <a:lvl8pPr marL="6884165" indent="0">
+              <a:buNone/>
+              <a:defRPr sz="3441">
                 <a:solidFill>
                   <a:schemeClr val="tx1">
                     <a:tint val="82000"/>
@@ -1905,9 +1803,9 @@
                 </a:solidFill>
               </a:defRPr>
             </a:lvl8pPr>
-            <a:lvl9pPr marL="3657600" indent="0">
-              <a:buNone/>
-              <a:defRPr sz="1600">
+            <a:lvl9pPr marL="7867616" indent="0">
+              <a:buNone/>
+              <a:defRPr sz="3441">
                 <a:solidFill>
                   <a:schemeClr val="tx1">
                     <a:tint val="82000"/>
@@ -1948,7 +1846,7 @@
           <a:p>
             <a:fld id="{6C69BBB5-676D-4F44-9A00-181B7A6F52CE}" type="datetimeFigureOut">
               <a:rPr lang="de-DE" smtClean="0"/>
-              <a:t>01.08.2024</a:t>
+              <a:t>05.08.2024</a:t>
             </a:fld>
             <a:endParaRPr lang="de-DE"/>
           </a:p>
@@ -2084,8 +1982,8 @@
         </p:nvSpPr>
         <p:spPr>
           <a:xfrm>
-            <a:off x="838200" y="1825625"/>
-            <a:ext cx="5181600" cy="4351338"/>
+            <a:off x="408404" y="2252029"/>
+            <a:ext cx="2524680" cy="5367658"/>
           </a:xfrm>
         </p:spPr>
         <p:txBody>
@@ -2146,8 +2044,8 @@
         </p:nvSpPr>
         <p:spPr>
           <a:xfrm>
-            <a:off x="6172200" y="1825625"/>
-            <a:ext cx="5181600" cy="4351338"/>
+            <a:off x="3007341" y="2252029"/>
+            <a:ext cx="2524680" cy="5367658"/>
           </a:xfrm>
         </p:spPr>
         <p:txBody>
@@ -2213,7 +2111,7 @@
           <a:p>
             <a:fld id="{6C69BBB5-676D-4F44-9A00-181B7A6F52CE}" type="datetimeFigureOut">
               <a:rPr lang="de-DE" smtClean="0"/>
-              <a:t>01.08.2024</a:t>
+              <a:t>05.08.2024</a:t>
             </a:fld>
             <a:endParaRPr lang="de-DE"/>
           </a:p>
@@ -2321,8 +2219,8 @@
         </p:nvSpPr>
         <p:spPr>
           <a:xfrm>
-            <a:off x="839788" y="365125"/>
-            <a:ext cx="10515600" cy="1325563"/>
+            <a:off x="409181" y="450409"/>
+            <a:ext cx="5123617" cy="1635167"/>
           </a:xfrm>
         </p:spPr>
         <p:txBody>
@@ -2354,8 +2252,8 @@
         </p:nvSpPr>
         <p:spPr>
           <a:xfrm>
-            <a:off x="839788" y="1681163"/>
-            <a:ext cx="5157787" cy="823912"/>
+            <a:off x="409178" y="2073825"/>
+            <a:ext cx="2513078" cy="1016349"/>
           </a:xfrm>
         </p:spPr>
         <p:txBody>
@@ -2363,39 +2261,39 @@
           <a:lstStyle>
             <a:lvl1pPr marL="0" indent="0">
               <a:buNone/>
-              <a:defRPr sz="2400" b="1"/>
+              <a:defRPr sz="5163" b="1"/>
             </a:lvl1pPr>
-            <a:lvl2pPr marL="457200" indent="0">
-              <a:buNone/>
-              <a:defRPr sz="2000" b="1"/>
+            <a:lvl2pPr marL="983452" indent="0">
+              <a:buNone/>
+              <a:defRPr sz="4302" b="1"/>
             </a:lvl2pPr>
-            <a:lvl3pPr marL="914400" indent="0">
-              <a:buNone/>
-              <a:defRPr sz="1800" b="1"/>
+            <a:lvl3pPr marL="1966903" indent="0">
+              <a:buNone/>
+              <a:defRPr sz="3872" b="1"/>
             </a:lvl3pPr>
-            <a:lvl4pPr marL="1371600" indent="0">
-              <a:buNone/>
-              <a:defRPr sz="1600" b="1"/>
+            <a:lvl4pPr marL="2950356" indent="0">
+              <a:buNone/>
+              <a:defRPr sz="3441" b="1"/>
             </a:lvl4pPr>
-            <a:lvl5pPr marL="1828800" indent="0">
-              <a:buNone/>
-              <a:defRPr sz="1600" b="1"/>
+            <a:lvl5pPr marL="3933809" indent="0">
+              <a:buNone/>
+              <a:defRPr sz="3441" b="1"/>
             </a:lvl5pPr>
-            <a:lvl6pPr marL="2286000" indent="0">
-              <a:buNone/>
-              <a:defRPr sz="1600" b="1"/>
+            <a:lvl6pPr marL="4917261" indent="0">
+              <a:buNone/>
+              <a:defRPr sz="3441" b="1"/>
             </a:lvl6pPr>
-            <a:lvl7pPr marL="2743200" indent="0">
-              <a:buNone/>
-              <a:defRPr sz="1600" b="1"/>
+            <a:lvl7pPr marL="5900713" indent="0">
+              <a:buNone/>
+              <a:defRPr sz="3441" b="1"/>
             </a:lvl7pPr>
-            <a:lvl8pPr marL="3200400" indent="0">
-              <a:buNone/>
-              <a:defRPr sz="1600" b="1"/>
+            <a:lvl8pPr marL="6884165" indent="0">
+              <a:buNone/>
+              <a:defRPr sz="3441" b="1"/>
             </a:lvl8pPr>
-            <a:lvl9pPr marL="3657600" indent="0">
-              <a:buNone/>
-              <a:defRPr sz="1600" b="1"/>
+            <a:lvl9pPr marL="7867616" indent="0">
+              <a:buNone/>
+              <a:defRPr sz="3441" b="1"/>
             </a:lvl9pPr>
           </a:lstStyle>
           <a:p>
@@ -2425,8 +2323,8 @@
         </p:nvSpPr>
         <p:spPr>
           <a:xfrm>
-            <a:off x="839788" y="2505075"/>
-            <a:ext cx="5157787" cy="3684588"/>
+            <a:off x="409178" y="3090175"/>
+            <a:ext cx="2513078" cy="4545178"/>
           </a:xfrm>
         </p:spPr>
         <p:txBody>
@@ -2487,8 +2385,8 @@
         </p:nvSpPr>
         <p:spPr>
           <a:xfrm>
-            <a:off x="6172200" y="1681163"/>
-            <a:ext cx="5183188" cy="823912"/>
+            <a:off x="3007351" y="2073825"/>
+            <a:ext cx="2525454" cy="1016349"/>
           </a:xfrm>
         </p:spPr>
         <p:txBody>
@@ -2496,39 +2394,39 @@
           <a:lstStyle>
             <a:lvl1pPr marL="0" indent="0">
               <a:buNone/>
-              <a:defRPr sz="2400" b="1"/>
+              <a:defRPr sz="5163" b="1"/>
             </a:lvl1pPr>
-            <a:lvl2pPr marL="457200" indent="0">
-              <a:buNone/>
-              <a:defRPr sz="2000" b="1"/>
+            <a:lvl2pPr marL="983452" indent="0">
+              <a:buNone/>
+              <a:defRPr sz="4302" b="1"/>
             </a:lvl2pPr>
-            <a:lvl3pPr marL="914400" indent="0">
-              <a:buNone/>
-              <a:defRPr sz="1800" b="1"/>
+            <a:lvl3pPr marL="1966903" indent="0">
+              <a:buNone/>
+              <a:defRPr sz="3872" b="1"/>
             </a:lvl3pPr>
-            <a:lvl4pPr marL="1371600" indent="0">
-              <a:buNone/>
-              <a:defRPr sz="1600" b="1"/>
+            <a:lvl4pPr marL="2950356" indent="0">
+              <a:buNone/>
+              <a:defRPr sz="3441" b="1"/>
             </a:lvl4pPr>
-            <a:lvl5pPr marL="1828800" indent="0">
-              <a:buNone/>
-              <a:defRPr sz="1600" b="1"/>
+            <a:lvl5pPr marL="3933809" indent="0">
+              <a:buNone/>
+              <a:defRPr sz="3441" b="1"/>
             </a:lvl5pPr>
-            <a:lvl6pPr marL="2286000" indent="0">
-              <a:buNone/>
-              <a:defRPr sz="1600" b="1"/>
+            <a:lvl6pPr marL="4917261" indent="0">
+              <a:buNone/>
+              <a:defRPr sz="3441" b="1"/>
             </a:lvl6pPr>
-            <a:lvl7pPr marL="2743200" indent="0">
-              <a:buNone/>
-              <a:defRPr sz="1600" b="1"/>
+            <a:lvl7pPr marL="5900713" indent="0">
+              <a:buNone/>
+              <a:defRPr sz="3441" b="1"/>
             </a:lvl7pPr>
-            <a:lvl8pPr marL="3200400" indent="0">
-              <a:buNone/>
-              <a:defRPr sz="1600" b="1"/>
+            <a:lvl8pPr marL="6884165" indent="0">
+              <a:buNone/>
+              <a:defRPr sz="3441" b="1"/>
             </a:lvl8pPr>
-            <a:lvl9pPr marL="3657600" indent="0">
-              <a:buNone/>
-              <a:defRPr sz="1600" b="1"/>
+            <a:lvl9pPr marL="7867616" indent="0">
+              <a:buNone/>
+              <a:defRPr sz="3441" b="1"/>
             </a:lvl9pPr>
           </a:lstStyle>
           <a:p>
@@ -2558,8 +2456,8 @@
         </p:nvSpPr>
         <p:spPr>
           <a:xfrm>
-            <a:off x="6172200" y="2505075"/>
-            <a:ext cx="5183188" cy="3684588"/>
+            <a:off x="3007351" y="3090175"/>
+            <a:ext cx="2525454" cy="4545178"/>
           </a:xfrm>
         </p:spPr>
         <p:txBody>
@@ -2625,7 +2523,7 @@
           <a:p>
             <a:fld id="{6C69BBB5-676D-4F44-9A00-181B7A6F52CE}" type="datetimeFigureOut">
               <a:rPr lang="de-DE" smtClean="0"/>
-              <a:t>01.08.2024</a:t>
+              <a:t>05.08.2024</a:t>
             </a:fld>
             <a:endParaRPr lang="de-DE"/>
           </a:p>
@@ -2766,7 +2664,7 @@
           <a:p>
             <a:fld id="{6C69BBB5-676D-4F44-9A00-181B7A6F52CE}" type="datetimeFigureOut">
               <a:rPr lang="de-DE" smtClean="0"/>
-              <a:t>01.08.2024</a:t>
+              <a:t>05.08.2024</a:t>
             </a:fld>
             <a:endParaRPr lang="de-DE"/>
           </a:p>
@@ -2879,7 +2777,7 @@
           <a:p>
             <a:fld id="{6C69BBB5-676D-4F44-9A00-181B7A6F52CE}" type="datetimeFigureOut">
               <a:rPr lang="de-DE" smtClean="0"/>
-              <a:t>01.08.2024</a:t>
+              <a:t>05.08.2024</a:t>
             </a:fld>
             <a:endParaRPr lang="de-DE"/>
           </a:p>
@@ -2987,15 +2885,15 @@
         </p:nvSpPr>
         <p:spPr>
           <a:xfrm>
-            <a:off x="839788" y="457200"/>
-            <a:ext cx="3932237" cy="1600200"/>
+            <a:off x="409187" y="563989"/>
+            <a:ext cx="1915942" cy="1973950"/>
           </a:xfrm>
         </p:spPr>
         <p:txBody>
           <a:bodyPr anchor="b"/>
           <a:lstStyle>
             <a:lvl1pPr>
-              <a:defRPr sz="3200"/>
+              <a:defRPr sz="6882"/>
             </a:lvl1pPr>
           </a:lstStyle>
           <a:p>
@@ -3024,39 +2922,39 @@
         </p:nvSpPr>
         <p:spPr>
           <a:xfrm>
-            <a:off x="5183188" y="987425"/>
-            <a:ext cx="6172200" cy="4873625"/>
+            <a:off x="2525455" y="1218056"/>
+            <a:ext cx="3007341" cy="6011933"/>
           </a:xfrm>
         </p:spPr>
         <p:txBody>
           <a:bodyPr/>
           <a:lstStyle>
             <a:lvl1pPr>
-              <a:defRPr sz="3200"/>
+              <a:defRPr sz="6882"/>
             </a:lvl1pPr>
             <a:lvl2pPr>
-              <a:defRPr sz="2800"/>
+              <a:defRPr sz="6023"/>
             </a:lvl2pPr>
             <a:lvl3pPr>
-              <a:defRPr sz="2400"/>
+              <a:defRPr sz="5163"/>
             </a:lvl3pPr>
             <a:lvl4pPr>
-              <a:defRPr sz="2000"/>
+              <a:defRPr sz="4302"/>
             </a:lvl4pPr>
             <a:lvl5pPr>
-              <a:defRPr sz="2000"/>
+              <a:defRPr sz="4302"/>
             </a:lvl5pPr>
             <a:lvl6pPr>
-              <a:defRPr sz="2000"/>
+              <a:defRPr sz="4302"/>
             </a:lvl6pPr>
             <a:lvl7pPr>
-              <a:defRPr sz="2000"/>
+              <a:defRPr sz="4302"/>
             </a:lvl7pPr>
             <a:lvl8pPr>
-              <a:defRPr sz="2000"/>
+              <a:defRPr sz="4302"/>
             </a:lvl8pPr>
             <a:lvl9pPr>
-              <a:defRPr sz="2000"/>
+              <a:defRPr sz="4302"/>
             </a:lvl9pPr>
           </a:lstStyle>
           <a:p>
@@ -3114,8 +3012,8 @@
         </p:nvSpPr>
         <p:spPr>
           <a:xfrm>
-            <a:off x="839788" y="2057400"/>
-            <a:ext cx="3932237" cy="3811588"/>
+            <a:off x="409187" y="2537940"/>
+            <a:ext cx="1915942" cy="4701840"/>
           </a:xfrm>
         </p:spPr>
         <p:txBody>
@@ -3123,39 +3021,39 @@
           <a:lstStyle>
             <a:lvl1pPr marL="0" indent="0">
               <a:buNone/>
-              <a:defRPr sz="1600"/>
+              <a:defRPr sz="3441"/>
             </a:lvl1pPr>
-            <a:lvl2pPr marL="457200" indent="0">
-              <a:buNone/>
-              <a:defRPr sz="1400"/>
+            <a:lvl2pPr marL="983452" indent="0">
+              <a:buNone/>
+              <a:defRPr sz="3012"/>
             </a:lvl2pPr>
-            <a:lvl3pPr marL="914400" indent="0">
-              <a:buNone/>
-              <a:defRPr sz="1200"/>
+            <a:lvl3pPr marL="1966903" indent="0">
+              <a:buNone/>
+              <a:defRPr sz="2581"/>
             </a:lvl3pPr>
-            <a:lvl4pPr marL="1371600" indent="0">
-              <a:buNone/>
-              <a:defRPr sz="1000"/>
+            <a:lvl4pPr marL="2950356" indent="0">
+              <a:buNone/>
+              <a:defRPr sz="2151"/>
             </a:lvl4pPr>
-            <a:lvl5pPr marL="1828800" indent="0">
-              <a:buNone/>
-              <a:defRPr sz="1000"/>
+            <a:lvl5pPr marL="3933809" indent="0">
+              <a:buNone/>
+              <a:defRPr sz="2151"/>
             </a:lvl5pPr>
-            <a:lvl6pPr marL="2286000" indent="0">
-              <a:buNone/>
-              <a:defRPr sz="1000"/>
+            <a:lvl6pPr marL="4917261" indent="0">
+              <a:buNone/>
+              <a:defRPr sz="2151"/>
             </a:lvl6pPr>
-            <a:lvl7pPr marL="2743200" indent="0">
-              <a:buNone/>
-              <a:defRPr sz="1000"/>
+            <a:lvl7pPr marL="5900713" indent="0">
+              <a:buNone/>
+              <a:defRPr sz="2151"/>
             </a:lvl7pPr>
-            <a:lvl8pPr marL="3200400" indent="0">
-              <a:buNone/>
-              <a:defRPr sz="1000"/>
+            <a:lvl8pPr marL="6884165" indent="0">
+              <a:buNone/>
+              <a:defRPr sz="2151"/>
             </a:lvl8pPr>
-            <a:lvl9pPr marL="3657600" indent="0">
-              <a:buNone/>
-              <a:defRPr sz="1000"/>
+            <a:lvl9pPr marL="7867616" indent="0">
+              <a:buNone/>
+              <a:defRPr sz="2151"/>
             </a:lvl9pPr>
           </a:lstStyle>
           <a:p>
@@ -3190,7 +3088,7 @@
           <a:p>
             <a:fld id="{6C69BBB5-676D-4F44-9A00-181B7A6F52CE}" type="datetimeFigureOut">
               <a:rPr lang="de-DE" smtClean="0"/>
-              <a:t>01.08.2024</a:t>
+              <a:t>05.08.2024</a:t>
             </a:fld>
             <a:endParaRPr lang="de-DE"/>
           </a:p>
@@ -3298,15 +3196,15 @@
         </p:nvSpPr>
         <p:spPr>
           <a:xfrm>
-            <a:off x="839788" y="457200"/>
-            <a:ext cx="3932237" cy="1600200"/>
+            <a:off x="409187" y="563989"/>
+            <a:ext cx="1915942" cy="1973950"/>
           </a:xfrm>
         </p:spPr>
         <p:txBody>
           <a:bodyPr anchor="b"/>
           <a:lstStyle>
             <a:lvl1pPr>
-              <a:defRPr sz="3200"/>
+              <a:defRPr sz="6882"/>
             </a:lvl1pPr>
           </a:lstStyle>
           <a:p>
@@ -3335,8 +3233,8 @@
         </p:nvSpPr>
         <p:spPr>
           <a:xfrm>
-            <a:off x="5183188" y="987425"/>
-            <a:ext cx="6172200" cy="4873625"/>
+            <a:off x="2525455" y="1218056"/>
+            <a:ext cx="3007341" cy="6011933"/>
           </a:xfrm>
         </p:spPr>
         <p:txBody>
@@ -3344,39 +3242,39 @@
           <a:lstStyle>
             <a:lvl1pPr marL="0" indent="0">
               <a:buNone/>
-              <a:defRPr sz="3200"/>
+              <a:defRPr sz="6882"/>
             </a:lvl1pPr>
-            <a:lvl2pPr marL="457200" indent="0">
-              <a:buNone/>
-              <a:defRPr sz="2800"/>
+            <a:lvl2pPr marL="983452" indent="0">
+              <a:buNone/>
+              <a:defRPr sz="6023"/>
             </a:lvl2pPr>
-            <a:lvl3pPr marL="914400" indent="0">
-              <a:buNone/>
-              <a:defRPr sz="2400"/>
+            <a:lvl3pPr marL="1966903" indent="0">
+              <a:buNone/>
+              <a:defRPr sz="5163"/>
             </a:lvl3pPr>
-            <a:lvl4pPr marL="1371600" indent="0">
-              <a:buNone/>
-              <a:defRPr sz="2000"/>
+            <a:lvl4pPr marL="2950356" indent="0">
+              <a:buNone/>
+              <a:defRPr sz="4302"/>
             </a:lvl4pPr>
-            <a:lvl5pPr marL="1828800" indent="0">
-              <a:buNone/>
-              <a:defRPr sz="2000"/>
+            <a:lvl5pPr marL="3933809" indent="0">
+              <a:buNone/>
+              <a:defRPr sz="4302"/>
             </a:lvl5pPr>
-            <a:lvl6pPr marL="2286000" indent="0">
-              <a:buNone/>
-              <a:defRPr sz="2000"/>
+            <a:lvl6pPr marL="4917261" indent="0">
+              <a:buNone/>
+              <a:defRPr sz="4302"/>
             </a:lvl6pPr>
-            <a:lvl7pPr marL="2743200" indent="0">
-              <a:buNone/>
-              <a:defRPr sz="2000"/>
+            <a:lvl7pPr marL="5900713" indent="0">
+              <a:buNone/>
+              <a:defRPr sz="4302"/>
             </a:lvl7pPr>
-            <a:lvl8pPr marL="3200400" indent="0">
-              <a:buNone/>
-              <a:defRPr sz="2000"/>
+            <a:lvl8pPr marL="6884165" indent="0">
+              <a:buNone/>
+              <a:defRPr sz="4302"/>
             </a:lvl8pPr>
-            <a:lvl9pPr marL="3657600" indent="0">
-              <a:buNone/>
-              <a:defRPr sz="2000"/>
+            <a:lvl9pPr marL="7867616" indent="0">
+              <a:buNone/>
+              <a:defRPr sz="4302"/>
             </a:lvl9pPr>
           </a:lstStyle>
           <a:p>
@@ -3402,8 +3300,8 @@
         </p:nvSpPr>
         <p:spPr>
           <a:xfrm>
-            <a:off x="839788" y="2057400"/>
-            <a:ext cx="3932237" cy="3811588"/>
+            <a:off x="409187" y="2537940"/>
+            <a:ext cx="1915942" cy="4701840"/>
           </a:xfrm>
         </p:spPr>
         <p:txBody>
@@ -3411,39 +3309,39 @@
           <a:lstStyle>
             <a:lvl1pPr marL="0" indent="0">
               <a:buNone/>
-              <a:defRPr sz="1600"/>
+              <a:defRPr sz="3441"/>
             </a:lvl1pPr>
-            <a:lvl2pPr marL="457200" indent="0">
-              <a:buNone/>
-              <a:defRPr sz="1400"/>
+            <a:lvl2pPr marL="983452" indent="0">
+              <a:buNone/>
+              <a:defRPr sz="3012"/>
             </a:lvl2pPr>
-            <a:lvl3pPr marL="914400" indent="0">
-              <a:buNone/>
-              <a:defRPr sz="1200"/>
+            <a:lvl3pPr marL="1966903" indent="0">
+              <a:buNone/>
+              <a:defRPr sz="2581"/>
             </a:lvl3pPr>
-            <a:lvl4pPr marL="1371600" indent="0">
-              <a:buNone/>
-              <a:defRPr sz="1000"/>
+            <a:lvl4pPr marL="2950356" indent="0">
+              <a:buNone/>
+              <a:defRPr sz="2151"/>
             </a:lvl4pPr>
-            <a:lvl5pPr marL="1828800" indent="0">
-              <a:buNone/>
-              <a:defRPr sz="1000"/>
+            <a:lvl5pPr marL="3933809" indent="0">
+              <a:buNone/>
+              <a:defRPr sz="2151"/>
             </a:lvl5pPr>
-            <a:lvl6pPr marL="2286000" indent="0">
-              <a:buNone/>
-              <a:defRPr sz="1000"/>
+            <a:lvl6pPr marL="4917261" indent="0">
+              <a:buNone/>
+              <a:defRPr sz="2151"/>
             </a:lvl6pPr>
-            <a:lvl7pPr marL="2743200" indent="0">
-              <a:buNone/>
-              <a:defRPr sz="1000"/>
+            <a:lvl7pPr marL="5900713" indent="0">
+              <a:buNone/>
+              <a:defRPr sz="2151"/>
             </a:lvl7pPr>
-            <a:lvl8pPr marL="3200400" indent="0">
-              <a:buNone/>
-              <a:defRPr sz="1000"/>
+            <a:lvl8pPr marL="6884165" indent="0">
+              <a:buNone/>
+              <a:defRPr sz="2151"/>
             </a:lvl8pPr>
-            <a:lvl9pPr marL="3657600" indent="0">
-              <a:buNone/>
-              <a:defRPr sz="1000"/>
+            <a:lvl9pPr marL="7867616" indent="0">
+              <a:buNone/>
+              <a:defRPr sz="2151"/>
             </a:lvl9pPr>
           </a:lstStyle>
           <a:p>
@@ -3478,7 +3376,7 @@
           <a:p>
             <a:fld id="{6C69BBB5-676D-4F44-9A00-181B7A6F52CE}" type="datetimeFigureOut">
               <a:rPr lang="de-DE" smtClean="0"/>
-              <a:t>01.08.2024</a:t>
+              <a:t>05.08.2024</a:t>
             </a:fld>
             <a:endParaRPr lang="de-DE"/>
           </a:p>
@@ -3591,8 +3489,8 @@
         </p:nvSpPr>
         <p:spPr>
           <a:xfrm>
-            <a:off x="838200" y="365125"/>
-            <a:ext cx="10515600" cy="1325563"/>
+            <a:off x="408409" y="450409"/>
+            <a:ext cx="5123617" cy="1635167"/>
           </a:xfrm>
           <a:prstGeom prst="rect">
             <a:avLst/>
@@ -3629,8 +3527,8 @@
         </p:nvSpPr>
         <p:spPr>
           <a:xfrm>
-            <a:off x="838200" y="1825625"/>
-            <a:ext cx="10515600" cy="4351338"/>
+            <a:off x="408409" y="2252029"/>
+            <a:ext cx="5123617" cy="5367658"/>
           </a:xfrm>
           <a:prstGeom prst="rect">
             <a:avLst/>
@@ -3696,8 +3594,8 @@
         </p:nvSpPr>
         <p:spPr>
           <a:xfrm>
-            <a:off x="838200" y="6356350"/>
-            <a:ext cx="2743200" cy="365125"/>
+            <a:off x="408414" y="7840976"/>
+            <a:ext cx="1336595" cy="450405"/>
           </a:xfrm>
           <a:prstGeom prst="rect">
             <a:avLst/>
@@ -3707,7 +3605,7 @@
           <a:bodyPr vert="horz" lIns="91440" tIns="45720" rIns="91440" bIns="45720" rtlCol="0" anchor="ctr"/>
           <a:lstStyle>
             <a:lvl1pPr algn="l">
-              <a:defRPr sz="1200">
+              <a:defRPr sz="2581">
                 <a:solidFill>
                   <a:schemeClr val="tx1">
                     <a:tint val="82000"/>
@@ -3719,7 +3617,7 @@
           <a:p>
             <a:fld id="{6C69BBB5-676D-4F44-9A00-181B7A6F52CE}" type="datetimeFigureOut">
               <a:rPr lang="de-DE" smtClean="0"/>
-              <a:t>01.08.2024</a:t>
+              <a:t>05.08.2024</a:t>
             </a:fld>
             <a:endParaRPr lang="de-DE"/>
           </a:p>
@@ -3743,8 +3641,8 @@
         </p:nvSpPr>
         <p:spPr>
           <a:xfrm>
-            <a:off x="4038600" y="6356350"/>
-            <a:ext cx="4114800" cy="365125"/>
+            <a:off x="1967771" y="7840976"/>
+            <a:ext cx="2004894" cy="450405"/>
           </a:xfrm>
           <a:prstGeom prst="rect">
             <a:avLst/>
@@ -3754,7 +3652,7 @@
           <a:bodyPr vert="horz" lIns="91440" tIns="45720" rIns="91440" bIns="45720" rtlCol="0" anchor="ctr"/>
           <a:lstStyle>
             <a:lvl1pPr algn="ctr">
-              <a:defRPr sz="1200">
+              <a:defRPr sz="2581">
                 <a:solidFill>
                   <a:schemeClr val="tx1">
                     <a:tint val="82000"/>
@@ -3786,8 +3684,8 @@
         </p:nvSpPr>
         <p:spPr>
           <a:xfrm>
-            <a:off x="8610600" y="6356350"/>
-            <a:ext cx="2743200" cy="365125"/>
+            <a:off x="4195435" y="7840976"/>
+            <a:ext cx="1336595" cy="450405"/>
           </a:xfrm>
           <a:prstGeom prst="rect">
             <a:avLst/>
@@ -3797,7 +3695,7 @@
           <a:bodyPr vert="horz" lIns="91440" tIns="45720" rIns="91440" bIns="45720" rtlCol="0" anchor="ctr"/>
           <a:lstStyle>
             <a:lvl1pPr algn="r">
-              <a:defRPr sz="1200">
+              <a:defRPr sz="2581">
                 <a:solidFill>
                   <a:schemeClr val="tx1">
                     <a:tint val="82000"/>
@@ -3839,7 +3737,7 @@
   </p:sldLayoutIdLst>
   <p:txStyles>
     <p:titleStyle>
-      <a:lvl1pPr algn="l" defTabSz="914400" rtl="0" eaLnBrk="1" latinLnBrk="0" hangingPunct="1">
+      <a:lvl1pPr algn="l" defTabSz="1966903" rtl="0" eaLnBrk="1" latinLnBrk="0" hangingPunct="1">
         <a:lnSpc>
           <a:spcPct val="90000"/>
         </a:lnSpc>
@@ -3847,7 +3745,7 @@
           <a:spcPct val="0"/>
         </a:spcBef>
         <a:buNone/>
-        <a:defRPr sz="4400" kern="1200">
+        <a:defRPr sz="9465" kern="1200">
           <a:solidFill>
             <a:schemeClr val="tx1"/>
           </a:solidFill>
@@ -3858,16 +3756,16 @@
       </a:lvl1pPr>
     </p:titleStyle>
     <p:bodyStyle>
-      <a:lvl1pPr marL="228600" indent="-228600" algn="l" defTabSz="914400" rtl="0" eaLnBrk="1" latinLnBrk="0" hangingPunct="1">
+      <a:lvl1pPr marL="491728" indent="-491728" algn="l" defTabSz="1966903" rtl="0" eaLnBrk="1" latinLnBrk="0" hangingPunct="1">
         <a:lnSpc>
           <a:spcPct val="90000"/>
         </a:lnSpc>
         <a:spcBef>
-          <a:spcPts val="1000"/>
+          <a:spcPts val="2151"/>
         </a:spcBef>
         <a:buFont typeface="Arial" panose="020B0604020202020204" pitchFamily="34" charset="0"/>
         <a:buChar char="•"/>
-        <a:defRPr sz="2800" kern="1200">
+        <a:defRPr sz="6023" kern="1200">
           <a:solidFill>
             <a:schemeClr val="tx1"/>
           </a:solidFill>
@@ -3876,16 +3774,16 @@
           <a:cs typeface="+mn-cs"/>
         </a:defRPr>
       </a:lvl1pPr>
-      <a:lvl2pPr marL="685800" indent="-228600" algn="l" defTabSz="914400" rtl="0" eaLnBrk="1" latinLnBrk="0" hangingPunct="1">
+      <a:lvl2pPr marL="1475177" indent="-491728" algn="l" defTabSz="1966903" rtl="0" eaLnBrk="1" latinLnBrk="0" hangingPunct="1">
         <a:lnSpc>
           <a:spcPct val="90000"/>
         </a:lnSpc>
         <a:spcBef>
-          <a:spcPts val="500"/>
+          <a:spcPts val="1076"/>
         </a:spcBef>
         <a:buFont typeface="Arial" panose="020B0604020202020204" pitchFamily="34" charset="0"/>
         <a:buChar char="•"/>
-        <a:defRPr sz="2400" kern="1200">
+        <a:defRPr sz="5163" kern="1200">
           <a:solidFill>
             <a:schemeClr val="tx1"/>
           </a:solidFill>
@@ -3894,16 +3792,16 @@
           <a:cs typeface="+mn-cs"/>
         </a:defRPr>
       </a:lvl2pPr>
-      <a:lvl3pPr marL="1143000" indent="-228600" algn="l" defTabSz="914400" rtl="0" eaLnBrk="1" latinLnBrk="0" hangingPunct="1">
+      <a:lvl3pPr marL="2458629" indent="-491728" algn="l" defTabSz="1966903" rtl="0" eaLnBrk="1" latinLnBrk="0" hangingPunct="1">
         <a:lnSpc>
           <a:spcPct val="90000"/>
         </a:lnSpc>
         <a:spcBef>
-          <a:spcPts val="500"/>
+          <a:spcPts val="1076"/>
         </a:spcBef>
         <a:buFont typeface="Arial" panose="020B0604020202020204" pitchFamily="34" charset="0"/>
         <a:buChar char="•"/>
-        <a:defRPr sz="2000" kern="1200">
+        <a:defRPr sz="4302" kern="1200">
           <a:solidFill>
             <a:schemeClr val="tx1"/>
           </a:solidFill>
@@ -3912,16 +3810,16 @@
           <a:cs typeface="+mn-cs"/>
         </a:defRPr>
       </a:lvl3pPr>
-      <a:lvl4pPr marL="1600200" indent="-228600" algn="l" defTabSz="914400" rtl="0" eaLnBrk="1" latinLnBrk="0" hangingPunct="1">
+      <a:lvl4pPr marL="3442083" indent="-491728" algn="l" defTabSz="1966903" rtl="0" eaLnBrk="1" latinLnBrk="0" hangingPunct="1">
         <a:lnSpc>
           <a:spcPct val="90000"/>
         </a:lnSpc>
         <a:spcBef>
-          <a:spcPts val="500"/>
+          <a:spcPts val="1076"/>
         </a:spcBef>
         <a:buFont typeface="Arial" panose="020B0604020202020204" pitchFamily="34" charset="0"/>
         <a:buChar char="•"/>
-        <a:defRPr sz="1800" kern="1200">
+        <a:defRPr sz="3872" kern="1200">
           <a:solidFill>
             <a:schemeClr val="tx1"/>
           </a:solidFill>
@@ -3930,16 +3828,16 @@
           <a:cs typeface="+mn-cs"/>
         </a:defRPr>
       </a:lvl4pPr>
-      <a:lvl5pPr marL="2057400" indent="-228600" algn="l" defTabSz="914400" rtl="0" eaLnBrk="1" latinLnBrk="0" hangingPunct="1">
+      <a:lvl5pPr marL="4425536" indent="-491728" algn="l" defTabSz="1966903" rtl="0" eaLnBrk="1" latinLnBrk="0" hangingPunct="1">
         <a:lnSpc>
           <a:spcPct val="90000"/>
         </a:lnSpc>
         <a:spcBef>
-          <a:spcPts val="500"/>
+          <a:spcPts val="1076"/>
         </a:spcBef>
         <a:buFont typeface="Arial" panose="020B0604020202020204" pitchFamily="34" charset="0"/>
         <a:buChar char="•"/>
-        <a:defRPr sz="1800" kern="1200">
+        <a:defRPr sz="3872" kern="1200">
           <a:solidFill>
             <a:schemeClr val="tx1"/>
           </a:solidFill>
@@ -3948,16 +3846,16 @@
           <a:cs typeface="+mn-cs"/>
         </a:defRPr>
       </a:lvl5pPr>
-      <a:lvl6pPr marL="2514600" indent="-228600" algn="l" defTabSz="914400" rtl="0" eaLnBrk="1" latinLnBrk="0" hangingPunct="1">
+      <a:lvl6pPr marL="5408987" indent="-491728" algn="l" defTabSz="1966903" rtl="0" eaLnBrk="1" latinLnBrk="0" hangingPunct="1">
         <a:lnSpc>
           <a:spcPct val="90000"/>
         </a:lnSpc>
         <a:spcBef>
-          <a:spcPts val="500"/>
+          <a:spcPts val="1076"/>
         </a:spcBef>
         <a:buFont typeface="Arial" panose="020B0604020202020204" pitchFamily="34" charset="0"/>
         <a:buChar char="•"/>
-        <a:defRPr sz="1800" kern="1200">
+        <a:defRPr sz="3872" kern="1200">
           <a:solidFill>
             <a:schemeClr val="tx1"/>
           </a:solidFill>
@@ -3966,16 +3864,16 @@
           <a:cs typeface="+mn-cs"/>
         </a:defRPr>
       </a:lvl6pPr>
-      <a:lvl7pPr marL="2971800" indent="-228600" algn="l" defTabSz="914400" rtl="0" eaLnBrk="1" latinLnBrk="0" hangingPunct="1">
+      <a:lvl7pPr marL="6392437" indent="-491728" algn="l" defTabSz="1966903" rtl="0" eaLnBrk="1" latinLnBrk="0" hangingPunct="1">
         <a:lnSpc>
           <a:spcPct val="90000"/>
         </a:lnSpc>
         <a:spcBef>
-          <a:spcPts val="500"/>
+          <a:spcPts val="1076"/>
         </a:spcBef>
         <a:buFont typeface="Arial" panose="020B0604020202020204" pitchFamily="34" charset="0"/>
         <a:buChar char="•"/>
-        <a:defRPr sz="1800" kern="1200">
+        <a:defRPr sz="3872" kern="1200">
           <a:solidFill>
             <a:schemeClr val="tx1"/>
           </a:solidFill>
@@ -3984,16 +3882,16 @@
           <a:cs typeface="+mn-cs"/>
         </a:defRPr>
       </a:lvl7pPr>
-      <a:lvl8pPr marL="3429000" indent="-228600" algn="l" defTabSz="914400" rtl="0" eaLnBrk="1" latinLnBrk="0" hangingPunct="1">
+      <a:lvl8pPr marL="7375889" indent="-491728" algn="l" defTabSz="1966903" rtl="0" eaLnBrk="1" latinLnBrk="0" hangingPunct="1">
         <a:lnSpc>
           <a:spcPct val="90000"/>
         </a:lnSpc>
         <a:spcBef>
-          <a:spcPts val="500"/>
+          <a:spcPts val="1076"/>
         </a:spcBef>
         <a:buFont typeface="Arial" panose="020B0604020202020204" pitchFamily="34" charset="0"/>
         <a:buChar char="•"/>
-        <a:defRPr sz="1800" kern="1200">
+        <a:defRPr sz="3872" kern="1200">
           <a:solidFill>
             <a:schemeClr val="tx1"/>
           </a:solidFill>
@@ -4002,16 +3900,16 @@
           <a:cs typeface="+mn-cs"/>
         </a:defRPr>
       </a:lvl8pPr>
-      <a:lvl9pPr marL="3886200" indent="-228600" algn="l" defTabSz="914400" rtl="0" eaLnBrk="1" latinLnBrk="0" hangingPunct="1">
+      <a:lvl9pPr marL="8359342" indent="-491728" algn="l" defTabSz="1966903" rtl="0" eaLnBrk="1" latinLnBrk="0" hangingPunct="1">
         <a:lnSpc>
           <a:spcPct val="90000"/>
         </a:lnSpc>
         <a:spcBef>
-          <a:spcPts val="500"/>
+          <a:spcPts val="1076"/>
         </a:spcBef>
         <a:buFont typeface="Arial" panose="020B0604020202020204" pitchFamily="34" charset="0"/>
         <a:buChar char="•"/>
-        <a:defRPr sz="1800" kern="1200">
+        <a:defRPr sz="3872" kern="1200">
           <a:solidFill>
             <a:schemeClr val="tx1"/>
           </a:solidFill>
@@ -4025,8 +3923,8 @@
       <a:defPPr>
         <a:defRPr lang="de-DE"/>
       </a:defPPr>
-      <a:lvl1pPr marL="0" algn="l" defTabSz="914400" rtl="0" eaLnBrk="1" latinLnBrk="0" hangingPunct="1">
-        <a:defRPr sz="1800" kern="1200">
+      <a:lvl1pPr marL="0" algn="l" defTabSz="1966903" rtl="0" eaLnBrk="1" latinLnBrk="0" hangingPunct="1">
+        <a:defRPr sz="3872" kern="1200">
           <a:solidFill>
             <a:schemeClr val="tx1"/>
           </a:solidFill>
@@ -4035,8 +3933,8 @@
           <a:cs typeface="+mn-cs"/>
         </a:defRPr>
       </a:lvl1pPr>
-      <a:lvl2pPr marL="457200" algn="l" defTabSz="914400" rtl="0" eaLnBrk="1" latinLnBrk="0" hangingPunct="1">
-        <a:defRPr sz="1800" kern="1200">
+      <a:lvl2pPr marL="983452" algn="l" defTabSz="1966903" rtl="0" eaLnBrk="1" latinLnBrk="0" hangingPunct="1">
+        <a:defRPr sz="3872" kern="1200">
           <a:solidFill>
             <a:schemeClr val="tx1"/>
           </a:solidFill>
@@ -4045,8 +3943,8 @@
           <a:cs typeface="+mn-cs"/>
         </a:defRPr>
       </a:lvl2pPr>
-      <a:lvl3pPr marL="914400" algn="l" defTabSz="914400" rtl="0" eaLnBrk="1" latinLnBrk="0" hangingPunct="1">
-        <a:defRPr sz="1800" kern="1200">
+      <a:lvl3pPr marL="1966903" algn="l" defTabSz="1966903" rtl="0" eaLnBrk="1" latinLnBrk="0" hangingPunct="1">
+        <a:defRPr sz="3872" kern="1200">
           <a:solidFill>
             <a:schemeClr val="tx1"/>
           </a:solidFill>
@@ -4055,8 +3953,8 @@
           <a:cs typeface="+mn-cs"/>
         </a:defRPr>
       </a:lvl3pPr>
-      <a:lvl4pPr marL="1371600" algn="l" defTabSz="914400" rtl="0" eaLnBrk="1" latinLnBrk="0" hangingPunct="1">
-        <a:defRPr sz="1800" kern="1200">
+      <a:lvl4pPr marL="2950356" algn="l" defTabSz="1966903" rtl="0" eaLnBrk="1" latinLnBrk="0" hangingPunct="1">
+        <a:defRPr sz="3872" kern="1200">
           <a:solidFill>
             <a:schemeClr val="tx1"/>
           </a:solidFill>
@@ -4065,8 +3963,8 @@
           <a:cs typeface="+mn-cs"/>
         </a:defRPr>
       </a:lvl4pPr>
-      <a:lvl5pPr marL="1828800" algn="l" defTabSz="914400" rtl="0" eaLnBrk="1" latinLnBrk="0" hangingPunct="1">
-        <a:defRPr sz="1800" kern="1200">
+      <a:lvl5pPr marL="3933809" algn="l" defTabSz="1966903" rtl="0" eaLnBrk="1" latinLnBrk="0" hangingPunct="1">
+        <a:defRPr sz="3872" kern="1200">
           <a:solidFill>
             <a:schemeClr val="tx1"/>
           </a:solidFill>
@@ -4075,8 +3973,8 @@
           <a:cs typeface="+mn-cs"/>
         </a:defRPr>
       </a:lvl5pPr>
-      <a:lvl6pPr marL="2286000" algn="l" defTabSz="914400" rtl="0" eaLnBrk="1" latinLnBrk="0" hangingPunct="1">
-        <a:defRPr sz="1800" kern="1200">
+      <a:lvl6pPr marL="4917261" algn="l" defTabSz="1966903" rtl="0" eaLnBrk="1" latinLnBrk="0" hangingPunct="1">
+        <a:defRPr sz="3872" kern="1200">
           <a:solidFill>
             <a:schemeClr val="tx1"/>
           </a:solidFill>
@@ -4085,8 +3983,8 @@
           <a:cs typeface="+mn-cs"/>
         </a:defRPr>
       </a:lvl6pPr>
-      <a:lvl7pPr marL="2743200" algn="l" defTabSz="914400" rtl="0" eaLnBrk="1" latinLnBrk="0" hangingPunct="1">
-        <a:defRPr sz="1800" kern="1200">
+      <a:lvl7pPr marL="5900713" algn="l" defTabSz="1966903" rtl="0" eaLnBrk="1" latinLnBrk="0" hangingPunct="1">
+        <a:defRPr sz="3872" kern="1200">
           <a:solidFill>
             <a:schemeClr val="tx1"/>
           </a:solidFill>
@@ -4095,8 +3993,8 @@
           <a:cs typeface="+mn-cs"/>
         </a:defRPr>
       </a:lvl7pPr>
-      <a:lvl8pPr marL="3200400" algn="l" defTabSz="914400" rtl="0" eaLnBrk="1" latinLnBrk="0" hangingPunct="1">
-        <a:defRPr sz="1800" kern="1200">
+      <a:lvl8pPr marL="6884165" algn="l" defTabSz="1966903" rtl="0" eaLnBrk="1" latinLnBrk="0" hangingPunct="1">
+        <a:defRPr sz="3872" kern="1200">
           <a:solidFill>
             <a:schemeClr val="tx1"/>
           </a:solidFill>
@@ -4105,8 +4003,8 @@
           <a:cs typeface="+mn-cs"/>
         </a:defRPr>
       </a:lvl8pPr>
-      <a:lvl9pPr marL="3657600" algn="l" defTabSz="914400" rtl="0" eaLnBrk="1" latinLnBrk="0" hangingPunct="1">
-        <a:defRPr sz="1800" kern="1200">
+      <a:lvl9pPr marL="7867616" algn="l" defTabSz="1966903" rtl="0" eaLnBrk="1" latinLnBrk="0" hangingPunct="1">
+        <a:defRPr sz="3872" kern="1200">
           <a:solidFill>
             <a:schemeClr val="tx1"/>
           </a:solidFill>
@@ -4139,10 +4037,10 @@
       </p:grpSpPr>
       <p:sp>
         <p:nvSpPr>
-          <p:cNvPr id="5" name="Pfeil nach rechts 4">
-            <a:extLst>
-              <a:ext uri="{FF2B5EF4-FFF2-40B4-BE49-F238E27FC236}">
-                <a16:creationId xmlns:a16="http://schemas.microsoft.com/office/drawing/2014/main" id="{031D70C1-6DC4-05C8-9CCE-ED98D761F1AA}"/>
+          <p:cNvPr id="9" name="Rechteck 8">
+            <a:extLst>
+              <a:ext uri="{FF2B5EF4-FFF2-40B4-BE49-F238E27FC236}">
+                <a16:creationId xmlns:a16="http://schemas.microsoft.com/office/drawing/2014/main" id="{44279D83-0403-406E-A74F-B3C6C2E69EE8}"/>
               </a:ext>
             </a:extLst>
           </p:cNvPr>
@@ -4151,86 +4049,23 @@
         </p:nvSpPr>
         <p:spPr>
           <a:xfrm>
-            <a:off x="1909514" y="2680855"/>
-            <a:ext cx="420462" cy="491862"/>
+            <a:off x="1351934" y="201325"/>
+            <a:ext cx="3236550" cy="952500"/>
           </a:xfrm>
-          <a:prstGeom prst="rightArrow">
-            <a:avLst>
-              <a:gd name="adj1" fmla="val 60000"/>
-              <a:gd name="adj2" fmla="val 50000"/>
-            </a:avLst>
+          <a:prstGeom prst="rect">
+            <a:avLst/>
           </a:prstGeom>
-          <a:ln>
+          <a:noFill/>
+          <a:ln w="38100">
             <a:solidFill>
-              <a:schemeClr val="accent1"/>
+              <a:schemeClr val="tx1"/>
             </a:solidFill>
           </a:ln>
         </p:spPr>
         <p:style>
-          <a:lnRef idx="0">
-            <a:schemeClr val="accent1">
-              <a:tint val="60000"/>
-              <a:hueOff val="0"/>
-              <a:satOff val="0"/>
-              <a:lumOff val="0"/>
-              <a:alphaOff val="0"/>
-            </a:schemeClr>
-          </a:lnRef>
-          <a:fillRef idx="1">
-            <a:schemeClr val="accent1">
-              <a:tint val="60000"/>
-              <a:hueOff val="0"/>
-              <a:satOff val="0"/>
-              <a:lumOff val="0"/>
-              <a:alphaOff val="0"/>
-            </a:schemeClr>
-          </a:fillRef>
-          <a:effectRef idx="0">
-            <a:schemeClr val="accent1">
-              <a:tint val="60000"/>
-              <a:hueOff val="0"/>
-              <a:satOff val="0"/>
-              <a:lumOff val="0"/>
-              <a:alphaOff val="0"/>
-            </a:schemeClr>
-          </a:effectRef>
-          <a:fontRef idx="minor">
-            <a:schemeClr val="lt1"/>
-          </a:fontRef>
-        </p:style>
-        <p:txBody>
-          <a:bodyPr/>
-          <a:lstStyle/>
-          <a:p>
-            <a:endParaRPr lang="de-DE"/>
-          </a:p>
-        </p:txBody>
-      </p:sp>
-      <p:sp>
-        <p:nvSpPr>
-          <p:cNvPr id="7" name="Abgerundetes Rechteck 6">
-            <a:extLst>
-              <a:ext uri="{FF2B5EF4-FFF2-40B4-BE49-F238E27FC236}">
-                <a16:creationId xmlns:a16="http://schemas.microsoft.com/office/drawing/2014/main" id="{08E05ADD-E890-DEE9-BF06-4C048E6BC354}"/>
-              </a:ext>
-            </a:extLst>
-          </p:cNvPr>
-          <p:cNvSpPr/>
-          <p:nvPr/>
-        </p:nvSpPr>
-        <p:spPr>
-          <a:xfrm>
-            <a:off x="2385601" y="2632001"/>
-            <a:ext cx="1206649" cy="637335"/>
-          </a:xfrm>
-          <a:prstGeom prst="roundRect">
-            <a:avLst/>
-          </a:prstGeom>
-        </p:spPr>
-        <p:style>
           <a:lnRef idx="2">
             <a:schemeClr val="accent1">
-              <a:shade val="15000"/>
+              <a:shade val="50000"/>
             </a:schemeClr>
           </a:lnRef>
           <a:fillRef idx="1">
@@ -4244,77 +4079,57 @@
           </a:fontRef>
         </p:style>
         <p:txBody>
-          <a:bodyPr rtlCol="0" anchor="ctr"/>
+          <a:bodyPr rot="0" spcFirstLastPara="0" vertOverflow="overflow" horzOverflow="overflow" vert="horz" wrap="square" lIns="91441" tIns="45720" rIns="91441" bIns="45720" numCol="1" spcCol="0" rtlCol="0" fromWordArt="0" anchor="ctr" anchorCtr="0" forceAA="0" compatLnSpc="1">
+            <a:prstTxWarp prst="textNoShape">
+              <a:avLst/>
+            </a:prstTxWarp>
+            <a:noAutofit/>
+          </a:bodyPr>
           <a:lstStyle/>
           <a:p>
             <a:pPr algn="ctr"/>
             <a:r>
-              <a:rPr lang="de-DE" sz="1400" b="1" dirty="0"/>
-              <a:t>Random </a:t>
-            </a:r>
-            <a:r>
-              <a:rPr lang="de-DE" sz="1400" b="1" dirty="0" err="1"/>
-              <a:t>assignment</a:t>
-            </a:r>
-            <a:endParaRPr lang="de-DE" sz="1400" b="1" dirty="0"/>
-          </a:p>
-        </p:txBody>
-      </p:sp>
-      <p:pic>
-        <p:nvPicPr>
-          <p:cNvPr id="8" name="Grafik 7" descr="Ein Bild, das Electric Blue (Farbe), Blau, Design enthält.&#10;&#10;Automatisch generierte Beschreibung">
-            <a:extLst>
-              <a:ext uri="{FF2B5EF4-FFF2-40B4-BE49-F238E27FC236}">
-                <a16:creationId xmlns:a16="http://schemas.microsoft.com/office/drawing/2014/main" id="{564919DA-C706-3FC2-D756-BD95184DD454}"/>
-              </a:ext>
-            </a:extLst>
-          </p:cNvPr>
-          <p:cNvPicPr>
-            <a:picLocks noChangeAspect="1"/>
-          </p:cNvPicPr>
+              <a:rPr lang="en-US" sz="1600" dirty="0">
+                <a:solidFill>
+                  <a:schemeClr val="tx1"/>
+                </a:solidFill>
+              </a:rPr>
+              <a:t>1. Prepare drawn CAM data (concepts, incl. emotional evaluation and connections)</a:t>
+            </a:r>
+          </a:p>
+        </p:txBody>
+      </p:sp>
+      <p:sp>
+        <p:nvSpPr>
+          <p:cNvPr id="12" name="Rechteck 11">
+            <a:extLst>
+              <a:ext uri="{FF2B5EF4-FFF2-40B4-BE49-F238E27FC236}">
+                <a16:creationId xmlns:a16="http://schemas.microsoft.com/office/drawing/2014/main" id="{F231FD93-DF7C-4B35-82BB-B97AA6134D9C}"/>
+              </a:ext>
+            </a:extLst>
+          </p:cNvPr>
+          <p:cNvSpPr/>
           <p:nvPr/>
-        </p:nvPicPr>
-        <p:blipFill>
-          <a:blip r:embed="rId2"/>
-          <a:stretch>
-            <a:fillRect/>
-          </a:stretch>
-        </p:blipFill>
+        </p:nvSpPr>
         <p:spPr>
           <a:xfrm>
-            <a:off x="576727" y="2452094"/>
-            <a:ext cx="1206648" cy="1150087"/>
+            <a:off x="1351939" y="1482149"/>
+            <a:ext cx="3236551" cy="952500"/>
           </a:xfrm>
           <a:prstGeom prst="rect">
             <a:avLst/>
           </a:prstGeom>
-        </p:spPr>
-      </p:pic>
-      <p:sp>
-        <p:nvSpPr>
-          <p:cNvPr id="9" name="Abgerundetes Rechteck 8">
-            <a:extLst>
-              <a:ext uri="{FF2B5EF4-FFF2-40B4-BE49-F238E27FC236}">
-                <a16:creationId xmlns:a16="http://schemas.microsoft.com/office/drawing/2014/main" id="{E9192541-9927-3EBE-F75D-956B3E0921F8}"/>
-              </a:ext>
-            </a:extLst>
-          </p:cNvPr>
-          <p:cNvSpPr/>
-          <p:nvPr/>
-        </p:nvSpPr>
-        <p:spPr>
-          <a:xfrm>
-            <a:off x="3705101" y="3411266"/>
-            <a:ext cx="1219200" cy="595905"/>
-          </a:xfrm>
-          <a:prstGeom prst="roundRect">
-            <a:avLst/>
-          </a:prstGeom>
+          <a:noFill/>
+          <a:ln w="38100">
+            <a:solidFill>
+              <a:schemeClr val="tx1"/>
+            </a:solidFill>
+          </a:ln>
         </p:spPr>
         <p:style>
           <a:lnRef idx="2">
             <a:schemeClr val="accent1">
-              <a:shade val="15000"/>
+              <a:shade val="50000"/>
             </a:schemeClr>
           </a:lnRef>
           <a:fillRef idx="1">
@@ -4328,23 +4143,32 @@
           </a:fontRef>
         </p:style>
         <p:txBody>
-          <a:bodyPr rtlCol="0" anchor="ctr"/>
+          <a:bodyPr rot="0" spcFirstLastPara="0" vertOverflow="overflow" horzOverflow="overflow" vert="horz" wrap="square" lIns="91441" tIns="45720" rIns="91441" bIns="45720" numCol="1" spcCol="0" rtlCol="0" fromWordArt="0" anchor="ctr" anchorCtr="0" forceAA="0" compatLnSpc="1">
+            <a:prstTxWarp prst="textNoShape">
+              <a:avLst/>
+            </a:prstTxWarp>
+            <a:noAutofit/>
+          </a:bodyPr>
           <a:lstStyle/>
           <a:p>
             <a:pPr algn="ctr"/>
             <a:r>
-              <a:rPr lang="de-DE" sz="1300" b="1" dirty="0"/>
-              <a:t>Search and Rescue Robot</a:t>
-            </a:r>
-          </a:p>
-        </p:txBody>
-      </p:sp>
-      <p:sp>
-        <p:nvSpPr>
-          <p:cNvPr id="10" name="Abgerundetes Rechteck 9">
-            <a:extLst>
-              <a:ext uri="{FF2B5EF4-FFF2-40B4-BE49-F238E27FC236}">
-                <a16:creationId xmlns:a16="http://schemas.microsoft.com/office/drawing/2014/main" id="{523CCCD6-AB1A-7685-4812-79F165EB8B9B}"/>
+              <a:rPr lang="en-US" sz="1600" dirty="0">
+                <a:solidFill>
+                  <a:schemeClr val="tx1"/>
+                </a:solidFill>
+              </a:rPr>
+              <a:t>2. Translation process: German concepts translated into English</a:t>
+            </a:r>
+          </a:p>
+        </p:txBody>
+      </p:sp>
+      <p:sp>
+        <p:nvSpPr>
+          <p:cNvPr id="13" name="Rechteck 12">
+            <a:extLst>
+              <a:ext uri="{FF2B5EF4-FFF2-40B4-BE49-F238E27FC236}">
+                <a16:creationId xmlns:a16="http://schemas.microsoft.com/office/drawing/2014/main" id="{3212F48C-65EF-4448-8900-751AC16497FF}"/>
               </a:ext>
             </a:extLst>
           </p:cNvPr>
@@ -4353,17 +4177,23 @@
         </p:nvSpPr>
         <p:spPr>
           <a:xfrm>
-            <a:off x="3705100" y="1856189"/>
-            <a:ext cx="1219201" cy="595905"/>
+            <a:off x="390562" y="2756770"/>
+            <a:ext cx="5159301" cy="1681595"/>
           </a:xfrm>
-          <a:prstGeom prst="roundRect">
+          <a:prstGeom prst="rect">
             <a:avLst/>
           </a:prstGeom>
+          <a:noFill/>
+          <a:ln w="38100">
+            <a:solidFill>
+              <a:schemeClr val="tx1"/>
+            </a:solidFill>
+          </a:ln>
         </p:spPr>
         <p:style>
           <a:lnRef idx="2">
             <a:schemeClr val="accent1">
-              <a:shade val="15000"/>
+              <a:shade val="50000"/>
             </a:schemeClr>
           </a:lnRef>
           <a:fillRef idx="1">
@@ -4377,183 +4207,57 @@
           </a:fontRef>
         </p:style>
         <p:txBody>
-          <a:bodyPr rtlCol="0" anchor="ctr"/>
+          <a:bodyPr rot="0" spcFirstLastPara="0" vertOverflow="overflow" horzOverflow="overflow" vert="horz" wrap="square" lIns="91441" tIns="45720" rIns="91441" bIns="45720" numCol="1" spcCol="0" rtlCol="0" fromWordArt="0" anchor="t" anchorCtr="0" forceAA="0" compatLnSpc="1">
+            <a:prstTxWarp prst="textNoShape">
+              <a:avLst/>
+            </a:prstTxWarp>
+            <a:noAutofit/>
+          </a:bodyPr>
           <a:lstStyle/>
           <a:p>
             <a:pPr algn="ctr"/>
             <a:r>
-              <a:rPr lang="de-DE" sz="1300" b="1" dirty="0" err="1"/>
-              <a:t>Socially</a:t>
-            </a:r>
-            <a:r>
-              <a:rPr lang="de-DE" sz="1300" b="1" dirty="0"/>
-              <a:t> </a:t>
-            </a:r>
-            <a:r>
-              <a:rPr lang="de-DE" sz="1300" b="1" dirty="0" err="1"/>
-              <a:t>Assistive</a:t>
-            </a:r>
-            <a:r>
-              <a:rPr lang="de-DE" sz="1300" b="1" dirty="0"/>
-              <a:t> Robot</a:t>
-            </a:r>
-          </a:p>
-        </p:txBody>
-      </p:sp>
-      <p:pic>
-        <p:nvPicPr>
-          <p:cNvPr id="11" name="Grafik 10">
-            <a:extLst>
-              <a:ext uri="{FF2B5EF4-FFF2-40B4-BE49-F238E27FC236}">
-                <a16:creationId xmlns:a16="http://schemas.microsoft.com/office/drawing/2014/main" id="{60152226-14B7-024C-0ED7-D0DBB4D6293E}"/>
-              </a:ext>
-            </a:extLst>
-          </p:cNvPr>
-          <p:cNvPicPr>
-            <a:picLocks noChangeAspect="1"/>
-          </p:cNvPicPr>
+              <a:rPr lang="en-US" sz="1600" dirty="0">
+                <a:solidFill>
+                  <a:schemeClr val="tx1"/>
+                </a:solidFill>
+              </a:rPr>
+              <a:t>3. Development of coding guidelines</a:t>
+            </a:r>
+          </a:p>
+        </p:txBody>
+      </p:sp>
+      <p:sp>
+        <p:nvSpPr>
+          <p:cNvPr id="14" name="Rechteck 13">
+            <a:extLst>
+              <a:ext uri="{FF2B5EF4-FFF2-40B4-BE49-F238E27FC236}">
+                <a16:creationId xmlns:a16="http://schemas.microsoft.com/office/drawing/2014/main" id="{2571F3BA-C4D9-497A-8EC0-8BFCE8847DFD}"/>
+              </a:ext>
+            </a:extLst>
+          </p:cNvPr>
+          <p:cNvSpPr/>
           <p:nvPr/>
-        </p:nvPicPr>
-        <p:blipFill>
-          <a:blip r:embed="rId3"/>
-          <a:stretch>
-            <a:fillRect/>
-          </a:stretch>
-        </p:blipFill>
+        </p:nvSpPr>
         <p:spPr>
           <a:xfrm>
-            <a:off x="5236101" y="3398553"/>
-            <a:ext cx="1089791" cy="771287"/>
+            <a:off x="714629" y="3320112"/>
+            <a:ext cx="1595979" cy="952500"/>
           </a:xfrm>
           <a:prstGeom prst="rect">
             <a:avLst/>
           </a:prstGeom>
-        </p:spPr>
-      </p:pic>
-      <p:pic>
-        <p:nvPicPr>
-          <p:cNvPr id="12" name="Grafik 11">
-            <a:extLst>
-              <a:ext uri="{FF2B5EF4-FFF2-40B4-BE49-F238E27FC236}">
-                <a16:creationId xmlns:a16="http://schemas.microsoft.com/office/drawing/2014/main" id="{320FE759-0F55-BF07-A62C-4FE983B40905}"/>
-              </a:ext>
-            </a:extLst>
-          </p:cNvPr>
-          <p:cNvPicPr>
-            <a:picLocks noChangeAspect="1"/>
-          </p:cNvPicPr>
-          <p:nvPr/>
-        </p:nvPicPr>
-        <p:blipFill>
-          <a:blip r:embed="rId4"/>
-          <a:stretch>
-            <a:fillRect/>
-          </a:stretch>
-        </p:blipFill>
-        <p:spPr>
-          <a:xfrm>
-            <a:off x="3361934" y="1898092"/>
-            <a:ext cx="343166" cy="464283"/>
-          </a:xfrm>
-          <a:prstGeom prst="rect">
-            <a:avLst/>
-          </a:prstGeom>
-        </p:spPr>
-      </p:pic>
-      <p:pic>
-        <p:nvPicPr>
-          <p:cNvPr id="13" name="Grafik 12">
-            <a:extLst>
-              <a:ext uri="{FF2B5EF4-FFF2-40B4-BE49-F238E27FC236}">
-                <a16:creationId xmlns:a16="http://schemas.microsoft.com/office/drawing/2014/main" id="{9B66B38A-7EB7-1A3C-6FCA-41C01389A182}"/>
-              </a:ext>
-            </a:extLst>
-          </p:cNvPr>
-          <p:cNvPicPr>
-            <a:picLocks noChangeAspect="1"/>
-          </p:cNvPicPr>
-          <p:nvPr/>
-        </p:nvPicPr>
-        <p:blipFill>
-          <a:blip r:embed="rId5"/>
-          <a:stretch>
-            <a:fillRect/>
-          </a:stretch>
-        </p:blipFill>
-        <p:spPr>
-          <a:xfrm>
-            <a:off x="3361934" y="3444598"/>
-            <a:ext cx="254588" cy="562573"/>
-          </a:xfrm>
-          <a:prstGeom prst="rect">
-            <a:avLst/>
-          </a:prstGeom>
-        </p:spPr>
-      </p:pic>
-      <p:pic>
-        <p:nvPicPr>
-          <p:cNvPr id="14" name="Grafik 13">
-            <a:extLst>
-              <a:ext uri="{FF2B5EF4-FFF2-40B4-BE49-F238E27FC236}">
-                <a16:creationId xmlns:a16="http://schemas.microsoft.com/office/drawing/2014/main" id="{461FF106-609D-728A-4935-DF951923AA42}"/>
-              </a:ext>
-            </a:extLst>
-          </p:cNvPr>
-          <p:cNvPicPr>
-            <a:picLocks noChangeAspect="1"/>
-          </p:cNvPicPr>
-          <p:nvPr/>
-        </p:nvPicPr>
-        <p:blipFill>
-          <a:blip r:embed="rId3"/>
-          <a:stretch>
-            <a:fillRect/>
-          </a:stretch>
-        </p:blipFill>
-        <p:spPr>
-          <a:xfrm>
-            <a:off x="5203576" y="1976731"/>
-            <a:ext cx="1089790" cy="771287"/>
-          </a:xfrm>
-          <a:prstGeom prst="rect">
-            <a:avLst/>
-          </a:prstGeom>
-        </p:spPr>
-      </p:pic>
-      <p:sp>
-        <p:nvSpPr>
-          <p:cNvPr id="15" name="Abgerundetes Rechteck 14">
-            <a:extLst>
-              <a:ext uri="{FF2B5EF4-FFF2-40B4-BE49-F238E27FC236}">
-                <a16:creationId xmlns:a16="http://schemas.microsoft.com/office/drawing/2014/main" id="{87EF785D-59D2-8596-750C-67AC34EB0232}"/>
-              </a:ext>
-            </a:extLst>
-          </p:cNvPr>
-          <p:cNvSpPr/>
-          <p:nvPr/>
-        </p:nvSpPr>
-        <p:spPr>
-          <a:xfrm>
-            <a:off x="5407199" y="2802344"/>
-            <a:ext cx="1089790" cy="466992"/>
-          </a:xfrm>
-          <a:prstGeom prst="roundRect">
-            <a:avLst/>
-          </a:prstGeom>
           <a:noFill/>
-          <a:ln>
+          <a:ln w="19050">
             <a:solidFill>
-              <a:schemeClr val="tx1">
-                <a:lumMod val="95000"/>
-                <a:lumOff val="5000"/>
-              </a:schemeClr>
+              <a:schemeClr val="tx1"/>
             </a:solidFill>
           </a:ln>
         </p:spPr>
         <p:style>
           <a:lnRef idx="2">
             <a:schemeClr val="accent1">
-              <a:shade val="15000"/>
+              <a:shade val="50000"/>
             </a:schemeClr>
           </a:lnRef>
           <a:fillRef idx="1">
@@ -4567,27 +4271,32 @@
           </a:fontRef>
         </p:style>
         <p:txBody>
-          <a:bodyPr rtlCol="0" anchor="ctr"/>
+          <a:bodyPr rot="0" spcFirstLastPara="0" vertOverflow="overflow" horzOverflow="overflow" vert="horz" wrap="square" lIns="91441" tIns="45720" rIns="91441" bIns="45720" numCol="1" spcCol="0" rtlCol="0" fromWordArt="0" anchor="ctr" anchorCtr="0" forceAA="0" compatLnSpc="1">
+            <a:prstTxWarp prst="textNoShape">
+              <a:avLst/>
+            </a:prstTxWarp>
+            <a:noAutofit/>
+          </a:bodyPr>
           <a:lstStyle/>
           <a:p>
             <a:pPr algn="ctr"/>
             <a:r>
-              <a:rPr lang="de-DE" sz="1500" b="1" dirty="0">
+              <a:rPr lang="en-US" sz="1600" dirty="0">
                 <a:solidFill>
                   <a:schemeClr val="tx1"/>
                 </a:solidFill>
               </a:rPr>
-              <a:t>Draw CAM </a:t>
-            </a:r>
-          </a:p>
-        </p:txBody>
-      </p:sp>
-      <p:sp>
-        <p:nvSpPr>
-          <p:cNvPr id="16" name="Rechteck 15">
-            <a:extLst>
-              <a:ext uri="{FF2B5EF4-FFF2-40B4-BE49-F238E27FC236}">
-                <a16:creationId xmlns:a16="http://schemas.microsoft.com/office/drawing/2014/main" id="{DFEFB96B-9DE2-526C-8B38-9999C58A388F}"/>
+              <a:t>Literature search (top down)</a:t>
+            </a:r>
+          </a:p>
+        </p:txBody>
+      </p:sp>
+      <p:sp>
+        <p:nvSpPr>
+          <p:cNvPr id="15" name="Rechteck 14">
+            <a:extLst>
+              <a:ext uri="{FF2B5EF4-FFF2-40B4-BE49-F238E27FC236}">
+                <a16:creationId xmlns:a16="http://schemas.microsoft.com/office/drawing/2014/main" id="{5E62D356-F50B-4BD3-9E31-A54C408E5C8B}"/>
               </a:ext>
             </a:extLst>
           </p:cNvPr>
@@ -4596,154 +4305,23 @@
         </p:nvSpPr>
         <p:spPr>
           <a:xfrm>
-            <a:off x="5386379" y="3381014"/>
-            <a:ext cx="187874" cy="121838"/>
+            <a:off x="3485538" y="3320112"/>
+            <a:ext cx="1595979" cy="952500"/>
           </a:xfrm>
           <a:prstGeom prst="rect">
             <a:avLst/>
           </a:prstGeom>
           <a:noFill/>
-          <a:ln w="15875">
+          <a:ln w="19050">
             <a:solidFill>
-              <a:srgbClr val="C00000"/>
+              <a:schemeClr val="tx1"/>
             </a:solidFill>
           </a:ln>
         </p:spPr>
         <p:style>
           <a:lnRef idx="2">
-            <a:schemeClr val="accent6"/>
-          </a:lnRef>
-          <a:fillRef idx="1">
-            <a:schemeClr val="lt1"/>
-          </a:fillRef>
-          <a:effectRef idx="0">
-            <a:schemeClr val="accent6"/>
-          </a:effectRef>
-          <a:fontRef idx="minor">
-            <a:schemeClr val="dk1"/>
-          </a:fontRef>
-        </p:style>
-        <p:txBody>
-          <a:bodyPr rtlCol="0" anchor="ctr"/>
-          <a:lstStyle/>
-          <a:p>
-            <a:pPr algn="ctr"/>
-            <a:endParaRPr lang="de-DE" dirty="0">
-              <a:solidFill>
-                <a:srgbClr val="C00000"/>
-              </a:solidFill>
-              <a:highlight>
-                <a:srgbClr val="FF0000"/>
-              </a:highlight>
-            </a:endParaRPr>
-          </a:p>
-        </p:txBody>
-      </p:sp>
-      <p:sp>
-        <p:nvSpPr>
-          <p:cNvPr id="18" name="Pfeil nach rechts 17">
-            <a:extLst>
-              <a:ext uri="{FF2B5EF4-FFF2-40B4-BE49-F238E27FC236}">
-                <a16:creationId xmlns:a16="http://schemas.microsoft.com/office/drawing/2014/main" id="{E8DD8C98-149B-5426-C523-0129D3AF4425}"/>
-              </a:ext>
-            </a:extLst>
-          </p:cNvPr>
-          <p:cNvSpPr/>
-          <p:nvPr/>
-        </p:nvSpPr>
-        <p:spPr>
-          <a:xfrm>
-            <a:off x="6760179" y="2408024"/>
-            <a:ext cx="1584323" cy="447953"/>
-          </a:xfrm>
-          <a:prstGeom prst="rightArrow">
-            <a:avLst>
-              <a:gd name="adj1" fmla="val 60000"/>
-              <a:gd name="adj2" fmla="val 50000"/>
-            </a:avLst>
-          </a:prstGeom>
-          <a:ln>
-            <a:solidFill>
-              <a:schemeClr val="tx1">
-                <a:lumMod val="95000"/>
-                <a:lumOff val="5000"/>
-              </a:schemeClr>
-            </a:solidFill>
-          </a:ln>
-        </p:spPr>
-        <p:style>
-          <a:lnRef idx="0">
             <a:schemeClr val="accent1">
-              <a:tint val="60000"/>
-              <a:hueOff val="0"/>
-              <a:satOff val="0"/>
-              <a:lumOff val="0"/>
-              <a:alphaOff val="0"/>
-            </a:schemeClr>
-          </a:lnRef>
-          <a:fillRef idx="1">
-            <a:schemeClr val="accent1">
-              <a:tint val="60000"/>
-              <a:hueOff val="0"/>
-              <a:satOff val="0"/>
-              <a:lumOff val="0"/>
-              <a:alphaOff val="0"/>
-            </a:schemeClr>
-          </a:fillRef>
-          <a:effectRef idx="0">
-            <a:schemeClr val="accent1">
-              <a:tint val="60000"/>
-              <a:hueOff val="0"/>
-              <a:satOff val="0"/>
-              <a:lumOff val="0"/>
-              <a:alphaOff val="0"/>
-            </a:schemeClr>
-          </a:effectRef>
-          <a:fontRef idx="minor">
-            <a:schemeClr val="lt1"/>
-          </a:fontRef>
-        </p:style>
-        <p:txBody>
-          <a:bodyPr/>
-          <a:lstStyle/>
-          <a:p>
-            <a:pPr algn="ctr"/>
-            <a:r>
-              <a:rPr lang="de-DE" sz="1300" b="1" dirty="0">
-                <a:solidFill>
-                  <a:schemeClr val="tx1"/>
-                </a:solidFill>
-              </a:rPr>
-              <a:t>Intervention</a:t>
-            </a:r>
-          </a:p>
-        </p:txBody>
-      </p:sp>
-      <p:sp>
-        <p:nvSpPr>
-          <p:cNvPr id="19" name="Abgerundetes Rechteck 18">
-            <a:extLst>
-              <a:ext uri="{FF2B5EF4-FFF2-40B4-BE49-F238E27FC236}">
-                <a16:creationId xmlns:a16="http://schemas.microsoft.com/office/drawing/2014/main" id="{F117D805-1119-A1F1-08CC-C65EEB0A3C05}"/>
-              </a:ext>
-            </a:extLst>
-          </p:cNvPr>
-          <p:cNvSpPr/>
-          <p:nvPr/>
-        </p:nvSpPr>
-        <p:spPr>
-          <a:xfrm>
-            <a:off x="6900750" y="2762909"/>
-            <a:ext cx="1219200" cy="595905"/>
-          </a:xfrm>
-          <a:prstGeom prst="roundRect">
-            <a:avLst/>
-          </a:prstGeom>
-        </p:spPr>
-        <p:style>
-          <a:lnRef idx="2">
-            <a:schemeClr val="accent1">
-              <a:shade val="15000"/>
+              <a:shade val="50000"/>
             </a:schemeClr>
           </a:lnRef>
           <a:fillRef idx="1">
@@ -4757,36 +4335,80 @@
           </a:fontRef>
         </p:style>
         <p:txBody>
-          <a:bodyPr rtlCol="0" anchor="ctr"/>
+          <a:bodyPr rot="0" spcFirstLastPara="0" vertOverflow="overflow" horzOverflow="overflow" vert="horz" wrap="square" lIns="91441" tIns="45720" rIns="91441" bIns="45720" numCol="1" spcCol="0" rtlCol="0" fromWordArt="0" anchor="ctr" anchorCtr="0" forceAA="0" compatLnSpc="1">
+            <a:prstTxWarp prst="textNoShape">
+              <a:avLst/>
+            </a:prstTxWarp>
+            <a:noAutofit/>
+          </a:bodyPr>
           <a:lstStyle/>
           <a:p>
             <a:pPr algn="ctr"/>
             <a:r>
-              <a:rPr lang="de-DE" sz="1300" b="1" dirty="0"/>
-              <a:t>Add </a:t>
-            </a:r>
-            <a:r>
-              <a:rPr lang="de-DE" sz="1300" b="1" dirty="0" err="1"/>
-              <a:t>information</a:t>
-            </a:r>
-            <a:r>
-              <a:rPr lang="de-DE" sz="1300" b="1" dirty="0"/>
-              <a:t> on soft </a:t>
-            </a:r>
-            <a:r>
-              <a:rPr lang="de-DE" sz="1300" b="1" dirty="0" err="1"/>
-              <a:t>robot</a:t>
-            </a:r>
-            <a:endParaRPr lang="de-DE" sz="1300" b="1" dirty="0"/>
-          </a:p>
-        </p:txBody>
-      </p:sp>
-      <p:sp>
-        <p:nvSpPr>
-          <p:cNvPr id="20" name="Abgerundetes Rechteck 19">
-            <a:extLst>
-              <a:ext uri="{FF2B5EF4-FFF2-40B4-BE49-F238E27FC236}">
-                <a16:creationId xmlns:a16="http://schemas.microsoft.com/office/drawing/2014/main" id="{4A818560-9891-7109-D065-3B3737A8DD1B}"/>
+              <a:rPr lang="en-US" sz="1600" dirty="0">
+                <a:solidFill>
+                  <a:schemeClr val="tx1"/>
+                </a:solidFill>
+              </a:rPr>
+              <a:t>Collected data (bottom up)</a:t>
+            </a:r>
+          </a:p>
+        </p:txBody>
+      </p:sp>
+      <p:cxnSp>
+        <p:nvCxnSpPr>
+          <p:cNvPr id="16" name="Gerade Verbindung mit Pfeil 15">
+            <a:extLst>
+              <a:ext uri="{FF2B5EF4-FFF2-40B4-BE49-F238E27FC236}">
+                <a16:creationId xmlns:a16="http://schemas.microsoft.com/office/drawing/2014/main" id="{8AC7246C-F380-446A-8191-80F871C305AA}"/>
+              </a:ext>
+            </a:extLst>
+          </p:cNvPr>
+          <p:cNvCxnSpPr>
+            <a:stCxn id="14" idx="3"/>
+            <a:endCxn id="15" idx="1"/>
+          </p:cNvCxnSpPr>
+          <p:nvPr/>
+        </p:nvCxnSpPr>
+        <p:spPr>
+          <a:xfrm>
+            <a:off x="2310603" y="3796362"/>
+            <a:ext cx="1174930" cy="0"/>
+          </a:xfrm>
+          <a:prstGeom prst="straightConnector1">
+            <a:avLst/>
+          </a:prstGeom>
+          <a:ln w="28575" cap="flat" cmpd="sng" algn="ctr">
+            <a:solidFill>
+              <a:schemeClr val="tx1"/>
+            </a:solidFill>
+            <a:prstDash val="solid"/>
+            <a:round/>
+            <a:headEnd type="arrow" w="med" len="med"/>
+            <a:tailEnd type="arrow" w="med" len="med"/>
+          </a:ln>
+        </p:spPr>
+        <p:style>
+          <a:lnRef idx="0">
+            <a:scrgbClr r="0" g="0" b="0"/>
+          </a:lnRef>
+          <a:fillRef idx="0">
+            <a:scrgbClr r="0" g="0" b="0"/>
+          </a:fillRef>
+          <a:effectRef idx="0">
+            <a:scrgbClr r="0" g="0" b="0"/>
+          </a:effectRef>
+          <a:fontRef idx="minor">
+            <a:schemeClr val="tx1"/>
+          </a:fontRef>
+        </p:style>
+      </p:cxnSp>
+      <p:sp>
+        <p:nvSpPr>
+          <p:cNvPr id="17" name="Rechteck 16">
+            <a:extLst>
+              <a:ext uri="{FF2B5EF4-FFF2-40B4-BE49-F238E27FC236}">
+                <a16:creationId xmlns:a16="http://schemas.microsoft.com/office/drawing/2014/main" id="{88FFEA47-70D0-499E-B4BF-B67A2FC16933}"/>
               </a:ext>
             </a:extLst>
           </p:cNvPr>
@@ -4795,26 +4417,23 @@
         </p:nvSpPr>
         <p:spPr>
           <a:xfrm>
-            <a:off x="8796769" y="2762909"/>
-            <a:ext cx="1219199" cy="545862"/>
+            <a:off x="1351939" y="4760478"/>
+            <a:ext cx="3236551" cy="952500"/>
           </a:xfrm>
-          <a:prstGeom prst="roundRect">
+          <a:prstGeom prst="rect">
             <a:avLst/>
           </a:prstGeom>
           <a:noFill/>
-          <a:ln>
+          <a:ln w="38100">
             <a:solidFill>
-              <a:schemeClr val="tx1">
-                <a:lumMod val="95000"/>
-                <a:lumOff val="5000"/>
-              </a:schemeClr>
+              <a:schemeClr val="tx1"/>
             </a:solidFill>
           </a:ln>
         </p:spPr>
         <p:style>
           <a:lnRef idx="2">
             <a:schemeClr val="accent1">
-              <a:shade val="15000"/>
+              <a:shade val="50000"/>
             </a:schemeClr>
           </a:lnRef>
           <a:fillRef idx="1">
@@ -4828,763 +4447,57 @@
           </a:fontRef>
         </p:style>
         <p:txBody>
-          <a:bodyPr rtlCol="0" anchor="ctr"/>
+          <a:bodyPr rot="0" spcFirstLastPara="0" vertOverflow="overflow" horzOverflow="overflow" vert="horz" wrap="square" lIns="91441" tIns="45720" rIns="91441" bIns="45720" numCol="1" spcCol="0" rtlCol="0" fromWordArt="0" anchor="ctr" anchorCtr="0" forceAA="0" compatLnSpc="1">
+            <a:prstTxWarp prst="textNoShape">
+              <a:avLst/>
+            </a:prstTxWarp>
+            <a:noAutofit/>
+          </a:bodyPr>
           <a:lstStyle/>
           <a:p>
             <a:pPr algn="ctr"/>
             <a:r>
-              <a:rPr lang="de-DE" sz="1500" b="1" dirty="0" err="1">
+              <a:rPr lang="en-US" sz="1600" dirty="0">
                 <a:solidFill>
                   <a:schemeClr val="tx1"/>
                 </a:solidFill>
               </a:rPr>
-              <a:t>Adjust</a:t>
-            </a:r>
-            <a:r>
-              <a:rPr lang="de-DE" sz="1500" b="1" dirty="0">
-                <a:solidFill>
-                  <a:schemeClr val="tx1"/>
-                </a:solidFill>
-              </a:rPr>
-              <a:t> </a:t>
-            </a:r>
-            <a:r>
-              <a:rPr lang="de-DE" sz="1500" b="1" dirty="0" err="1">
-                <a:solidFill>
-                  <a:schemeClr val="tx1"/>
-                </a:solidFill>
-              </a:rPr>
-              <a:t>drawn</a:t>
-            </a:r>
-            <a:r>
-              <a:rPr lang="de-DE" sz="1500" b="1" dirty="0">
-                <a:solidFill>
-                  <a:schemeClr val="tx1"/>
-                </a:solidFill>
-              </a:rPr>
-              <a:t> CAM </a:t>
-            </a:r>
-          </a:p>
-        </p:txBody>
-      </p:sp>
-      <p:pic>
-        <p:nvPicPr>
-          <p:cNvPr id="21" name="Grafik 20">
-            <a:extLst>
-              <a:ext uri="{FF2B5EF4-FFF2-40B4-BE49-F238E27FC236}">
-                <a16:creationId xmlns:a16="http://schemas.microsoft.com/office/drawing/2014/main" id="{04E004ED-A04C-E207-84FE-E6CD0C42B27B}"/>
-              </a:ext>
-            </a:extLst>
-          </p:cNvPr>
-          <p:cNvPicPr>
-            <a:picLocks noChangeAspect="1"/>
-          </p:cNvPicPr>
+              <a:t>4. Employment of coding guidelines: categorize drawn concepts into categories</a:t>
+            </a:r>
+          </a:p>
+        </p:txBody>
+      </p:sp>
+      <p:sp>
+        <p:nvSpPr>
+          <p:cNvPr id="18" name="Rechteck 17">
+            <a:extLst>
+              <a:ext uri="{FF2B5EF4-FFF2-40B4-BE49-F238E27FC236}">
+                <a16:creationId xmlns:a16="http://schemas.microsoft.com/office/drawing/2014/main" id="{996CB123-0061-41EA-8D78-FB06D2A708E4}"/>
+              </a:ext>
+            </a:extLst>
+          </p:cNvPr>
+          <p:cNvSpPr/>
           <p:nvPr/>
-        </p:nvPicPr>
-        <p:blipFill>
-          <a:blip r:embed="rId6"/>
-          <a:stretch>
-            <a:fillRect/>
-          </a:stretch>
-        </p:blipFill>
+        </p:nvSpPr>
         <p:spPr>
           <a:xfrm>
-            <a:off x="8616380" y="3446453"/>
-            <a:ext cx="1133726" cy="771287"/>
-          </a:xfrm>
-          <a:prstGeom prst="rect">
-            <a:avLst/>
-          </a:prstGeom>
-        </p:spPr>
-      </p:pic>
-      <p:pic>
-        <p:nvPicPr>
-          <p:cNvPr id="22" name="Grafik 21">
-            <a:extLst>
-              <a:ext uri="{FF2B5EF4-FFF2-40B4-BE49-F238E27FC236}">
-                <a16:creationId xmlns:a16="http://schemas.microsoft.com/office/drawing/2014/main" id="{0A7A11B8-8FDA-E8EB-DEFC-4A5C1BAB6014}"/>
-              </a:ext>
-            </a:extLst>
-          </p:cNvPr>
-          <p:cNvPicPr>
-            <a:picLocks noChangeAspect="1"/>
-          </p:cNvPicPr>
-          <p:nvPr/>
-        </p:nvPicPr>
-        <p:blipFill>
-          <a:blip r:embed="rId6"/>
-          <a:stretch>
-            <a:fillRect/>
-          </a:stretch>
-        </p:blipFill>
-        <p:spPr>
-          <a:xfrm>
-            <a:off x="8508860" y="1922157"/>
-            <a:ext cx="1133726" cy="771287"/>
-          </a:xfrm>
-          <a:prstGeom prst="rect">
-            <a:avLst/>
-          </a:prstGeom>
-        </p:spPr>
-      </p:pic>
-      <p:pic>
-        <p:nvPicPr>
-          <p:cNvPr id="23" name="Grafik 22">
-            <a:extLst>
-              <a:ext uri="{FF2B5EF4-FFF2-40B4-BE49-F238E27FC236}">
-                <a16:creationId xmlns:a16="http://schemas.microsoft.com/office/drawing/2014/main" id="{3FDC174D-7F22-7598-5130-40534C085106}"/>
-              </a:ext>
-            </a:extLst>
-          </p:cNvPr>
-          <p:cNvPicPr>
-            <a:picLocks noChangeAspect="1"/>
-          </p:cNvPicPr>
-          <p:nvPr/>
-        </p:nvPicPr>
-        <p:blipFill>
-          <a:blip r:embed="rId5"/>
-          <a:stretch>
-            <a:fillRect/>
-          </a:stretch>
-        </p:blipFill>
-        <p:spPr>
-          <a:xfrm>
-            <a:off x="5133930" y="3074345"/>
-            <a:ext cx="161048" cy="355874"/>
-          </a:xfrm>
-          <a:prstGeom prst="rect">
-            <a:avLst/>
-          </a:prstGeom>
-        </p:spPr>
-      </p:pic>
-      <p:pic>
-        <p:nvPicPr>
-          <p:cNvPr id="24" name="Grafik 23">
-            <a:extLst>
-              <a:ext uri="{FF2B5EF4-FFF2-40B4-BE49-F238E27FC236}">
-                <a16:creationId xmlns:a16="http://schemas.microsoft.com/office/drawing/2014/main" id="{78922A2F-5C47-F194-8838-549109B88534}"/>
-              </a:ext>
-            </a:extLst>
-          </p:cNvPr>
-          <p:cNvPicPr>
-            <a:picLocks noChangeAspect="1"/>
-          </p:cNvPicPr>
-          <p:nvPr/>
-        </p:nvPicPr>
-        <p:blipFill>
-          <a:blip r:embed="rId4"/>
-          <a:stretch>
-            <a:fillRect/>
-          </a:stretch>
-        </p:blipFill>
-        <p:spPr>
-          <a:xfrm flipH="1">
-            <a:off x="5106933" y="2738426"/>
-            <a:ext cx="215041" cy="290937"/>
-          </a:xfrm>
-          <a:prstGeom prst="rect">
-            <a:avLst/>
-          </a:prstGeom>
-        </p:spPr>
-      </p:pic>
-      <p:pic>
-        <p:nvPicPr>
-          <p:cNvPr id="25" name="Grafik 24">
-            <a:extLst>
-              <a:ext uri="{FF2B5EF4-FFF2-40B4-BE49-F238E27FC236}">
-                <a16:creationId xmlns:a16="http://schemas.microsoft.com/office/drawing/2014/main" id="{7627E74F-D002-57F5-7CDD-B9458A5C0EB5}"/>
-              </a:ext>
-            </a:extLst>
-          </p:cNvPr>
-          <p:cNvPicPr>
-            <a:picLocks noChangeAspect="1"/>
-          </p:cNvPicPr>
-          <p:nvPr/>
-        </p:nvPicPr>
-        <p:blipFill>
-          <a:blip r:embed="rId5"/>
-          <a:stretch>
-            <a:fillRect/>
-          </a:stretch>
-        </p:blipFill>
-        <p:spPr>
-          <a:xfrm>
-            <a:off x="8535857" y="3074345"/>
-            <a:ext cx="161048" cy="355874"/>
-          </a:xfrm>
-          <a:prstGeom prst="rect">
-            <a:avLst/>
-          </a:prstGeom>
-        </p:spPr>
-      </p:pic>
-      <p:pic>
-        <p:nvPicPr>
-          <p:cNvPr id="26" name="Grafik 25">
-            <a:extLst>
-              <a:ext uri="{FF2B5EF4-FFF2-40B4-BE49-F238E27FC236}">
-                <a16:creationId xmlns:a16="http://schemas.microsoft.com/office/drawing/2014/main" id="{B66AE45D-5020-ACC4-C7EC-8F7F175B6745}"/>
-              </a:ext>
-            </a:extLst>
-          </p:cNvPr>
-          <p:cNvPicPr>
-            <a:picLocks noChangeAspect="1"/>
-          </p:cNvPicPr>
-          <p:nvPr/>
-        </p:nvPicPr>
-        <p:blipFill>
-          <a:blip r:embed="rId4"/>
-          <a:stretch>
-            <a:fillRect/>
-          </a:stretch>
-        </p:blipFill>
-        <p:spPr>
-          <a:xfrm flipH="1">
-            <a:off x="8508860" y="2738426"/>
-            <a:ext cx="215041" cy="290937"/>
-          </a:xfrm>
-          <a:prstGeom prst="rect">
-            <a:avLst/>
-          </a:prstGeom>
-        </p:spPr>
-      </p:pic>
-      <p:sp>
-        <p:nvSpPr>
-          <p:cNvPr id="28" name="Rechteck 27">
-            <a:extLst>
-              <a:ext uri="{FF2B5EF4-FFF2-40B4-BE49-F238E27FC236}">
-                <a16:creationId xmlns:a16="http://schemas.microsoft.com/office/drawing/2014/main" id="{31D7AC22-C08A-7949-2CF3-224059A15462}"/>
-              </a:ext>
-            </a:extLst>
-          </p:cNvPr>
-          <p:cNvSpPr/>
-          <p:nvPr/>
-        </p:nvSpPr>
-        <p:spPr>
-          <a:xfrm>
-            <a:off x="9490717" y="2477973"/>
-            <a:ext cx="151869" cy="127168"/>
+            <a:off x="1351939" y="6035094"/>
+            <a:ext cx="3236551" cy="952500"/>
           </a:xfrm>
           <a:prstGeom prst="rect">
             <a:avLst/>
           </a:prstGeom>
           <a:noFill/>
-          <a:ln w="15875">
+          <a:ln w="38100">
             <a:solidFill>
-              <a:srgbClr val="C00000"/>
-            </a:solidFill>
-          </a:ln>
-        </p:spPr>
-        <p:style>
-          <a:lnRef idx="2">
-            <a:schemeClr val="accent6"/>
-          </a:lnRef>
-          <a:fillRef idx="1">
-            <a:schemeClr val="lt1"/>
-          </a:fillRef>
-          <a:effectRef idx="0">
-            <a:schemeClr val="accent6"/>
-          </a:effectRef>
-          <a:fontRef idx="minor">
-            <a:schemeClr val="dk1"/>
-          </a:fontRef>
-        </p:style>
-        <p:txBody>
-          <a:bodyPr rtlCol="0" anchor="ctr"/>
-          <a:lstStyle/>
-          <a:p>
-            <a:pPr algn="ctr"/>
-            <a:endParaRPr lang="de-DE" dirty="0">
-              <a:solidFill>
-                <a:srgbClr val="C00000"/>
-              </a:solidFill>
-              <a:highlight>
-                <a:srgbClr val="FF0000"/>
-              </a:highlight>
-            </a:endParaRPr>
-          </a:p>
-        </p:txBody>
-      </p:sp>
-      <p:sp>
-        <p:nvSpPr>
-          <p:cNvPr id="29" name="Rechteck 28">
-            <a:extLst>
-              <a:ext uri="{FF2B5EF4-FFF2-40B4-BE49-F238E27FC236}">
-                <a16:creationId xmlns:a16="http://schemas.microsoft.com/office/drawing/2014/main" id="{FAA7F7EF-E5AC-B1E5-C65D-69C1140C07C0}"/>
-              </a:ext>
-            </a:extLst>
-          </p:cNvPr>
-          <p:cNvSpPr/>
-          <p:nvPr/>
-        </p:nvSpPr>
-        <p:spPr>
-          <a:xfrm>
-            <a:off x="8644899" y="3880003"/>
-            <a:ext cx="151869" cy="127168"/>
-          </a:xfrm>
-          <a:prstGeom prst="rect">
-            <a:avLst/>
-          </a:prstGeom>
-          <a:noFill/>
-          <a:ln w="15875">
-            <a:solidFill>
-              <a:srgbClr val="C00000"/>
-            </a:solidFill>
-          </a:ln>
-        </p:spPr>
-        <p:style>
-          <a:lnRef idx="2">
-            <a:schemeClr val="accent6"/>
-          </a:lnRef>
-          <a:fillRef idx="1">
-            <a:schemeClr val="lt1"/>
-          </a:fillRef>
-          <a:effectRef idx="0">
-            <a:schemeClr val="accent6"/>
-          </a:effectRef>
-          <a:fontRef idx="minor">
-            <a:schemeClr val="dk1"/>
-          </a:fontRef>
-        </p:style>
-        <p:txBody>
-          <a:bodyPr rtlCol="0" anchor="ctr"/>
-          <a:lstStyle/>
-          <a:p>
-            <a:pPr algn="ctr"/>
-            <a:endParaRPr lang="de-DE" dirty="0">
-              <a:solidFill>
-                <a:srgbClr val="C00000"/>
-              </a:solidFill>
-              <a:highlight>
-                <a:srgbClr val="FF0000"/>
-              </a:highlight>
-            </a:endParaRPr>
-          </a:p>
-        </p:txBody>
-      </p:sp>
-      <p:sp>
-        <p:nvSpPr>
-          <p:cNvPr id="30" name="Rechteck 29">
-            <a:extLst>
-              <a:ext uri="{FF2B5EF4-FFF2-40B4-BE49-F238E27FC236}">
-                <a16:creationId xmlns:a16="http://schemas.microsoft.com/office/drawing/2014/main" id="{6D2D9C48-A8C4-AB2A-CA52-7299BDF5E753}"/>
-              </a:ext>
-            </a:extLst>
-          </p:cNvPr>
-          <p:cNvSpPr/>
-          <p:nvPr/>
-        </p:nvSpPr>
-        <p:spPr>
-          <a:xfrm>
-            <a:off x="9598237" y="4007171"/>
-            <a:ext cx="151869" cy="127168"/>
-          </a:xfrm>
-          <a:prstGeom prst="rect">
-            <a:avLst/>
-          </a:prstGeom>
-          <a:noFill/>
-          <a:ln w="15875">
-            <a:solidFill>
-              <a:srgbClr val="C00000"/>
-            </a:solidFill>
-          </a:ln>
-        </p:spPr>
-        <p:style>
-          <a:lnRef idx="2">
-            <a:schemeClr val="accent6"/>
-          </a:lnRef>
-          <a:fillRef idx="1">
-            <a:schemeClr val="lt1"/>
-          </a:fillRef>
-          <a:effectRef idx="0">
-            <a:schemeClr val="accent6"/>
-          </a:effectRef>
-          <a:fontRef idx="minor">
-            <a:schemeClr val="dk1"/>
-          </a:fontRef>
-        </p:style>
-        <p:txBody>
-          <a:bodyPr rtlCol="0" anchor="ctr"/>
-          <a:lstStyle/>
-          <a:p>
-            <a:pPr algn="ctr"/>
-            <a:endParaRPr lang="de-DE" dirty="0">
-              <a:solidFill>
-                <a:srgbClr val="C00000"/>
-              </a:solidFill>
-              <a:highlight>
-                <a:srgbClr val="FF0000"/>
-              </a:highlight>
-            </a:endParaRPr>
-          </a:p>
-        </p:txBody>
-      </p:sp>
-      <p:sp>
-        <p:nvSpPr>
-          <p:cNvPr id="31" name="Rechteck 30">
-            <a:extLst>
-              <a:ext uri="{FF2B5EF4-FFF2-40B4-BE49-F238E27FC236}">
-                <a16:creationId xmlns:a16="http://schemas.microsoft.com/office/drawing/2014/main" id="{49A44635-0720-E09D-57F1-DA294C40AD53}"/>
-              </a:ext>
-            </a:extLst>
-          </p:cNvPr>
-          <p:cNvSpPr/>
-          <p:nvPr/>
-        </p:nvSpPr>
-        <p:spPr>
-          <a:xfrm flipH="1">
-            <a:off x="5343067" y="1922157"/>
-            <a:ext cx="231186" cy="206338"/>
-          </a:xfrm>
-          <a:prstGeom prst="rect">
-            <a:avLst/>
-          </a:prstGeom>
-          <a:noFill/>
-          <a:ln w="15875">
-            <a:solidFill>
-              <a:srgbClr val="C00000"/>
-            </a:solidFill>
-          </a:ln>
-        </p:spPr>
-        <p:style>
-          <a:lnRef idx="2">
-            <a:schemeClr val="accent6"/>
-          </a:lnRef>
-          <a:fillRef idx="1">
-            <a:schemeClr val="lt1"/>
-          </a:fillRef>
-          <a:effectRef idx="0">
-            <a:schemeClr val="accent6"/>
-          </a:effectRef>
-          <a:fontRef idx="minor">
-            <a:schemeClr val="dk1"/>
-          </a:fontRef>
-        </p:style>
-        <p:txBody>
-          <a:bodyPr rtlCol="0" anchor="ctr"/>
-          <a:lstStyle/>
-          <a:p>
-            <a:pPr algn="ctr"/>
-            <a:endParaRPr lang="de-DE" dirty="0">
-              <a:solidFill>
-                <a:srgbClr val="C00000"/>
-              </a:solidFill>
-              <a:highlight>
-                <a:srgbClr val="FF0000"/>
-              </a:highlight>
-            </a:endParaRPr>
-          </a:p>
-        </p:txBody>
-      </p:sp>
-      <p:sp>
-        <p:nvSpPr>
-          <p:cNvPr id="32" name="Textfeld 31">
-            <a:extLst>
-              <a:ext uri="{FF2B5EF4-FFF2-40B4-BE49-F238E27FC236}">
-                <a16:creationId xmlns:a16="http://schemas.microsoft.com/office/drawing/2014/main" id="{2D712FEB-86E0-BD35-4BAD-D043E03A0A67}"/>
-              </a:ext>
-            </a:extLst>
-          </p:cNvPr>
-          <p:cNvSpPr txBox="1"/>
-          <p:nvPr/>
-        </p:nvSpPr>
-        <p:spPr>
-          <a:xfrm>
-            <a:off x="724395" y="4762005"/>
-            <a:ext cx="5371605" cy="923330"/>
-          </a:xfrm>
-          <a:prstGeom prst="rect">
-            <a:avLst/>
-          </a:prstGeom>
-          <a:noFill/>
-        </p:spPr>
-        <p:txBody>
-          <a:bodyPr wrap="square" rtlCol="0">
-            <a:spAutoFit/>
-          </a:bodyPr>
-          <a:lstStyle/>
-          <a:p>
-            <a:r>
-              <a:rPr lang="de-DE" dirty="0"/>
-              <a:t>Super grober </a:t>
-            </a:r>
-            <a:r>
-              <a:rPr lang="de-DE" dirty="0" err="1"/>
-              <a:t>Draft</a:t>
-            </a:r>
-            <a:r>
-              <a:rPr lang="de-DE" dirty="0"/>
-              <a:t>, müsste man ggf. anpassen, korrekte CAMs, Pfeile, Hervorhebungen, Größer </a:t>
-            </a:r>
-            <a:r>
-              <a:rPr lang="de-DE" dirty="0" err="1"/>
-              <a:t>Herv</a:t>
-            </a:r>
-            <a:r>
-              <a:rPr lang="de-DE" dirty="0"/>
-              <a:t>. etc. </a:t>
-            </a:r>
-          </a:p>
-        </p:txBody>
-      </p:sp>
-      <p:sp>
-        <p:nvSpPr>
-          <p:cNvPr id="35" name="Rechteck 34">
-            <a:extLst>
-              <a:ext uri="{FF2B5EF4-FFF2-40B4-BE49-F238E27FC236}">
-                <a16:creationId xmlns:a16="http://schemas.microsoft.com/office/drawing/2014/main" id="{357DAACB-F823-FBA9-6B4E-E7DC9B4C4242}"/>
-              </a:ext>
-            </a:extLst>
-          </p:cNvPr>
-          <p:cNvSpPr/>
-          <p:nvPr/>
-        </p:nvSpPr>
-        <p:spPr>
-          <a:xfrm>
-            <a:off x="6138018" y="3638526"/>
-            <a:ext cx="187874" cy="121838"/>
-          </a:xfrm>
-          <a:prstGeom prst="rect">
-            <a:avLst/>
-          </a:prstGeom>
-          <a:noFill/>
-          <a:ln w="15875">
-            <a:solidFill>
-              <a:srgbClr val="C00000"/>
-            </a:solidFill>
-          </a:ln>
-        </p:spPr>
-        <p:style>
-          <a:lnRef idx="2">
-            <a:schemeClr val="accent6"/>
-          </a:lnRef>
-          <a:fillRef idx="1">
-            <a:schemeClr val="lt1"/>
-          </a:fillRef>
-          <a:effectRef idx="0">
-            <a:schemeClr val="accent6"/>
-          </a:effectRef>
-          <a:fontRef idx="minor">
-            <a:schemeClr val="dk1"/>
-          </a:fontRef>
-        </p:style>
-        <p:txBody>
-          <a:bodyPr rtlCol="0" anchor="ctr"/>
-          <a:lstStyle/>
-          <a:p>
-            <a:pPr algn="ctr"/>
-            <a:endParaRPr lang="de-DE" dirty="0">
-              <a:solidFill>
-                <a:srgbClr val="C00000"/>
-              </a:solidFill>
-              <a:highlight>
-                <a:srgbClr val="FF0000"/>
-              </a:highlight>
-            </a:endParaRPr>
-          </a:p>
-        </p:txBody>
-      </p:sp>
-    </p:spTree>
-    <p:extLst>
-      <p:ext uri="{BB962C8B-B14F-4D97-AF65-F5344CB8AC3E}">
-        <p14:creationId xmlns:p14="http://schemas.microsoft.com/office/powerpoint/2010/main" val="1472608623"/>
-      </p:ext>
-    </p:extLst>
-  </p:cSld>
-  <p:clrMapOvr>
-    <a:masterClrMapping/>
-  </p:clrMapOvr>
-</p:sld>
-</file>
-
-<file path=ppt/slides/slide2.xml><?xml version="1.0" encoding="utf-8"?>
-<p:sld xmlns:a="http://schemas.openxmlformats.org/drawingml/2006/main" xmlns:r="http://schemas.openxmlformats.org/officeDocument/2006/relationships" xmlns:p="http://schemas.openxmlformats.org/presentationml/2006/main">
-  <p:cSld>
-    <p:spTree>
-      <p:nvGrpSpPr>
-        <p:cNvPr id="1" name=""/>
-        <p:cNvGrpSpPr/>
-        <p:nvPr/>
-      </p:nvGrpSpPr>
-      <p:grpSpPr>
-        <a:xfrm>
-          <a:off x="0" y="0"/>
-          <a:ext cx="0" cy="0"/>
-          <a:chOff x="0" y="0"/>
-          <a:chExt cx="0" cy="0"/>
-        </a:xfrm>
-      </p:grpSpPr>
-      <p:sp>
-        <p:nvSpPr>
-          <p:cNvPr id="4" name="Datumsplatzhalter 3">
-            <a:extLst>
-              <a:ext uri="{FF2B5EF4-FFF2-40B4-BE49-F238E27FC236}">
-                <a16:creationId xmlns:a16="http://schemas.microsoft.com/office/drawing/2014/main" id="{1E939455-8BD5-21DE-BE0A-8B3BDCFB22B0}"/>
-              </a:ext>
-              <a:ext uri="{C183D7F6-B498-43B3-948B-1728B52AA6E4}">
-                <adec:decorative xmlns:adec="http://schemas.microsoft.com/office/drawing/2017/decorative" val="1"/>
-              </a:ext>
-            </a:extLst>
-          </p:cNvPr>
-          <p:cNvSpPr>
-            <a:spLocks noGrp="1"/>
-          </p:cNvSpPr>
-          <p:nvPr>
-            <p:ph type="dt" sz="half" idx="14"/>
-          </p:nvPr>
-        </p:nvSpPr>
-        <p:spPr/>
-        <p:txBody>
-          <a:bodyPr/>
-          <a:lstStyle/>
-          <a:p>
-            <a:fld id="{80F28CED-CE5D-4E75-8322-B47CDC5AE153}" type="datetime4">
-              <a:rPr lang="de-DE" smtClean="0"/>
-              <a:t>1. August 2024</a:t>
-            </a:fld>
-            <a:endParaRPr lang="de-DE" dirty="0"/>
-          </a:p>
-        </p:txBody>
-      </p:sp>
-      <p:sp>
-        <p:nvSpPr>
-          <p:cNvPr id="5" name="Fußzeilenplatzhalter 4">
-            <a:extLst>
-              <a:ext uri="{FF2B5EF4-FFF2-40B4-BE49-F238E27FC236}">
-                <a16:creationId xmlns:a16="http://schemas.microsoft.com/office/drawing/2014/main" id="{EF3E551D-8223-4C1B-9389-A4D961DBF108}"/>
-              </a:ext>
-              <a:ext uri="{C183D7F6-B498-43B3-948B-1728B52AA6E4}">
-                <adec:decorative xmlns:adec="http://schemas.microsoft.com/office/drawing/2017/decorative" val="1"/>
-              </a:ext>
-            </a:extLst>
-          </p:cNvPr>
-          <p:cNvSpPr>
-            <a:spLocks noGrp="1"/>
-          </p:cNvSpPr>
-          <p:nvPr>
-            <p:ph type="ftr" sz="quarter" idx="15"/>
-          </p:nvPr>
-        </p:nvSpPr>
-        <p:spPr/>
-        <p:txBody>
-          <a:bodyPr/>
-          <a:lstStyle/>
-          <a:p>
-            <a:r>
-              <a:rPr lang="de-DE"/>
-              <a:t>Albert-Ludwigs-Universität Freiburg |</a:t>
-            </a:r>
-            <a:endParaRPr lang="de-DE" dirty="0"/>
-          </a:p>
-        </p:txBody>
-      </p:sp>
-      <p:sp>
-        <p:nvSpPr>
-          <p:cNvPr id="6" name="Foliennummernplatzhalter 5">
-            <a:extLst>
-              <a:ext uri="{FF2B5EF4-FFF2-40B4-BE49-F238E27FC236}">
-                <a16:creationId xmlns:a16="http://schemas.microsoft.com/office/drawing/2014/main" id="{C4328F87-7038-4E79-0168-B1095559D477}"/>
-              </a:ext>
-            </a:extLst>
-          </p:cNvPr>
-          <p:cNvSpPr>
-            <a:spLocks noGrp="1"/>
-          </p:cNvSpPr>
-          <p:nvPr>
-            <p:ph type="sldNum" sz="quarter" idx="16"/>
-          </p:nvPr>
-        </p:nvSpPr>
-        <p:spPr/>
-        <p:txBody>
-          <a:bodyPr/>
-          <a:lstStyle/>
-          <a:p>
-            <a:fld id="{C2571F0E-BA57-4409-A3A5-945CC828A36E}" type="slidenum">
-              <a:rPr lang="de-DE" smtClean="0"/>
-              <a:pPr/>
-              <a:t>2</a:t>
-            </a:fld>
-            <a:endParaRPr lang="de-DE" dirty="0"/>
-          </a:p>
-        </p:txBody>
-      </p:sp>
-      <p:sp>
-        <p:nvSpPr>
-          <p:cNvPr id="11" name="Titel 6">
-            <a:extLst>
-              <a:ext uri="{FF2B5EF4-FFF2-40B4-BE49-F238E27FC236}">
-                <a16:creationId xmlns:a16="http://schemas.microsoft.com/office/drawing/2014/main" id="{500AA3F2-185B-ABF9-D56C-4F92ECF86471}"/>
-              </a:ext>
-            </a:extLst>
-          </p:cNvPr>
-          <p:cNvSpPr>
-            <a:spLocks noGrp="1"/>
-          </p:cNvSpPr>
-          <p:nvPr>
-            <p:ph type="title"/>
-          </p:nvPr>
-        </p:nvSpPr>
-        <p:spPr>
-          <a:xfrm>
-            <a:off x="442913" y="365126"/>
-            <a:ext cx="11341100" cy="507330"/>
-          </a:xfrm>
-        </p:spPr>
-        <p:txBody>
-          <a:bodyPr/>
-          <a:lstStyle/>
-          <a:p>
-            <a:r>
-              <a:rPr lang="de-DE" sz="2800" b="1" dirty="0">
-                <a:solidFill>
-                  <a:schemeClr val="accent1"/>
-                </a:solidFill>
-              </a:rPr>
-              <a:t>Mögliche Gliederung</a:t>
-            </a:r>
-            <a:endParaRPr lang="de-DE" dirty="0">
-              <a:solidFill>
-                <a:srgbClr val="000000"/>
-              </a:solidFill>
-            </a:endParaRPr>
-          </a:p>
-        </p:txBody>
-      </p:sp>
-      <p:sp>
-        <p:nvSpPr>
-          <p:cNvPr id="7" name="Rechteck 6">
-            <a:extLst>
-              <a:ext uri="{FF2B5EF4-FFF2-40B4-BE49-F238E27FC236}">
-                <a16:creationId xmlns:a16="http://schemas.microsoft.com/office/drawing/2014/main" id="{535C5D24-A33E-CBC5-9A86-E4C87AF05A4A}"/>
-              </a:ext>
-            </a:extLst>
-          </p:cNvPr>
-          <p:cNvSpPr/>
-          <p:nvPr/>
-        </p:nvSpPr>
-        <p:spPr>
-          <a:xfrm>
-            <a:off x="1128956" y="1051516"/>
-            <a:ext cx="3424999" cy="491378"/>
-          </a:xfrm>
-          <a:prstGeom prst="rect">
-            <a:avLst/>
-          </a:prstGeom>
-          <a:solidFill>
-            <a:schemeClr val="tx1">
-              <a:lumMod val="20000"/>
-              <a:lumOff val="80000"/>
-            </a:schemeClr>
-          </a:solidFill>
-          <a:ln w="19050">
-            <a:solidFill>
-              <a:schemeClr val="tx2"/>
+              <a:schemeClr val="tx1"/>
             </a:solidFill>
           </a:ln>
         </p:spPr>
         <p:style>
           <a:lnRef idx="2">
             <a:schemeClr val="accent1">
-              <a:shade val="15000"/>
+              <a:shade val="50000"/>
             </a:schemeClr>
           </a:lnRef>
           <a:fillRef idx="1">
@@ -5598,27 +4511,32 @@
           </a:fontRef>
         </p:style>
         <p:txBody>
-          <a:bodyPr rtlCol="0" anchor="t"/>
+          <a:bodyPr rot="0" spcFirstLastPara="0" vertOverflow="overflow" horzOverflow="overflow" vert="horz" wrap="square" lIns="91441" tIns="45720" rIns="91441" bIns="45720" numCol="1" spcCol="0" rtlCol="0" fromWordArt="0" anchor="ctr" anchorCtr="0" forceAA="0" compatLnSpc="1">
+            <a:prstTxWarp prst="textNoShape">
+              <a:avLst/>
+            </a:prstTxWarp>
+            <a:noAutofit/>
+          </a:bodyPr>
           <a:lstStyle/>
           <a:p>
             <a:pPr algn="ctr"/>
             <a:r>
-              <a:rPr lang="de-DE" sz="1400" b="1" dirty="0">
+              <a:rPr lang="en-US" sz="1600" dirty="0">
                 <a:solidFill>
-                  <a:srgbClr val="000000"/>
+                  <a:schemeClr val="tx1"/>
                 </a:solidFill>
               </a:rPr>
-              <a:t>Introduction</a:t>
-            </a:r>
-          </a:p>
-        </p:txBody>
-      </p:sp>
-      <p:sp>
-        <p:nvSpPr>
-          <p:cNvPr id="9" name="Rechteck 8">
-            <a:extLst>
-              <a:ext uri="{FF2B5EF4-FFF2-40B4-BE49-F238E27FC236}">
-                <a16:creationId xmlns:a16="http://schemas.microsoft.com/office/drawing/2014/main" id="{DFFDE391-0052-AFC0-1C3F-A10F87EAAD82}"/>
+              <a:t>5. Applied quantitative analyses to investigate difference between categories differentiated by RR, SAR</a:t>
+            </a:r>
+          </a:p>
+        </p:txBody>
+      </p:sp>
+      <p:sp>
+        <p:nvSpPr>
+          <p:cNvPr id="19" name="Rechteck 18">
+            <a:extLst>
+              <a:ext uri="{FF2B5EF4-FFF2-40B4-BE49-F238E27FC236}">
+                <a16:creationId xmlns:a16="http://schemas.microsoft.com/office/drawing/2014/main" id="{7253628C-21E6-47FB-B672-47E03440B5B0}"/>
               </a:ext>
             </a:extLst>
           </p:cNvPr>
@@ -5627,28 +4545,23 @@
         </p:nvSpPr>
         <p:spPr>
           <a:xfrm>
-            <a:off x="1128956" y="1625971"/>
-            <a:ext cx="3424999" cy="867936"/>
+            <a:off x="1351939" y="7314911"/>
+            <a:ext cx="3236551" cy="952500"/>
           </a:xfrm>
           <a:prstGeom prst="rect">
             <a:avLst/>
           </a:prstGeom>
-          <a:solidFill>
-            <a:schemeClr val="tx1">
-              <a:lumMod val="20000"/>
-              <a:lumOff val="80000"/>
-            </a:schemeClr>
-          </a:solidFill>
-          <a:ln w="19050">
+          <a:noFill/>
+          <a:ln w="38100">
             <a:solidFill>
-              <a:schemeClr val="tx2"/>
+              <a:schemeClr val="tx1"/>
             </a:solidFill>
           </a:ln>
         </p:spPr>
         <p:style>
           <a:lnRef idx="2">
             <a:schemeClr val="accent1">
-              <a:shade val="15000"/>
+              <a:shade val="50000"/>
             </a:schemeClr>
           </a:lnRef>
           <a:fillRef idx="1">
@@ -5662,686 +4575,63 @@
           </a:fontRef>
         </p:style>
         <p:txBody>
-          <a:bodyPr rtlCol="0" anchor="t"/>
+          <a:bodyPr rot="0" spcFirstLastPara="0" vertOverflow="overflow" horzOverflow="overflow" vert="horz" wrap="square" lIns="91441" tIns="45720" rIns="91441" bIns="45720" numCol="1" spcCol="0" rtlCol="0" fromWordArt="0" anchor="ctr" anchorCtr="0" forceAA="0" compatLnSpc="1">
+            <a:prstTxWarp prst="textNoShape">
+              <a:avLst/>
+            </a:prstTxWarp>
+            <a:noAutofit/>
+          </a:bodyPr>
           <a:lstStyle/>
           <a:p>
             <a:pPr algn="ctr"/>
             <a:r>
-              <a:rPr lang="de-DE" sz="1400" b="1" dirty="0">
+              <a:rPr lang="en-US" sz="1600" dirty="0">
                 <a:solidFill>
-                  <a:srgbClr val="000000"/>
+                  <a:schemeClr val="tx1"/>
                 </a:solidFill>
               </a:rPr>
-              <a:t>Research Approach</a:t>
-            </a:r>
-          </a:p>
-          <a:p>
-            <a:pPr algn="ctr"/>
-            <a:r>
-              <a:rPr lang="de-DE" sz="1100" dirty="0">
-                <a:solidFill>
-                  <a:srgbClr val="000000"/>
-                </a:solidFill>
-              </a:rPr>
-              <a:t>AIT, CAMs</a:t>
-            </a:r>
-          </a:p>
-          <a:p>
-            <a:pPr algn="ctr"/>
-            <a:r>
-              <a:rPr lang="de-DE" sz="1100" dirty="0">
-                <a:solidFill>
-                  <a:srgbClr val="000000"/>
-                </a:solidFill>
-              </a:rPr>
-              <a:t>Study design (t1, t2)</a:t>
-            </a:r>
-          </a:p>
-        </p:txBody>
-      </p:sp>
-      <p:sp>
-        <p:nvSpPr>
-          <p:cNvPr id="10" name="Rechteck 9">
-            <a:extLst>
-              <a:ext uri="{FF2B5EF4-FFF2-40B4-BE49-F238E27FC236}">
-                <a16:creationId xmlns:a16="http://schemas.microsoft.com/office/drawing/2014/main" id="{F5190E93-718F-E83D-EE66-AAB930F93137}"/>
-              </a:ext>
-            </a:extLst>
-          </p:cNvPr>
-          <p:cNvSpPr/>
-          <p:nvPr/>
-        </p:nvSpPr>
-        <p:spPr>
-          <a:xfrm>
-            <a:off x="1128956" y="2568914"/>
-            <a:ext cx="3424999" cy="679751"/>
-          </a:xfrm>
-          <a:prstGeom prst="rect">
-            <a:avLst/>
-          </a:prstGeom>
-          <a:solidFill>
-            <a:schemeClr val="tx1">
-              <a:lumMod val="20000"/>
-              <a:lumOff val="80000"/>
-            </a:schemeClr>
-          </a:solidFill>
-          <a:ln w="19050">
-            <a:solidFill>
-              <a:schemeClr val="tx2"/>
-            </a:solidFill>
-          </a:ln>
-        </p:spPr>
-        <p:style>
-          <a:lnRef idx="2">
-            <a:schemeClr val="accent1">
-              <a:shade val="15000"/>
-            </a:schemeClr>
-          </a:lnRef>
-          <a:fillRef idx="1">
-            <a:schemeClr val="accent1"/>
-          </a:fillRef>
-          <a:effectRef idx="0">
-            <a:schemeClr val="accent1"/>
-          </a:effectRef>
-          <a:fontRef idx="minor">
-            <a:schemeClr val="lt1"/>
-          </a:fontRef>
-        </p:style>
-        <p:txBody>
-          <a:bodyPr rtlCol="0" anchor="t"/>
-          <a:lstStyle/>
-          <a:p>
-            <a:pPr algn="ctr"/>
-            <a:r>
-              <a:rPr lang="de-DE" sz="1400" b="1" dirty="0">
-                <a:solidFill>
-                  <a:srgbClr val="000000"/>
-                </a:solidFill>
-              </a:rPr>
-              <a:t>Methods</a:t>
-            </a:r>
-          </a:p>
-        </p:txBody>
-      </p:sp>
-      <p:sp>
-        <p:nvSpPr>
-          <p:cNvPr id="12" name="Rechteck 11">
-            <a:extLst>
-              <a:ext uri="{FF2B5EF4-FFF2-40B4-BE49-F238E27FC236}">
-                <a16:creationId xmlns:a16="http://schemas.microsoft.com/office/drawing/2014/main" id="{4CEE8204-27CE-41B3-2C96-1DC641C0BCA1}"/>
-              </a:ext>
-            </a:extLst>
-          </p:cNvPr>
-          <p:cNvSpPr/>
-          <p:nvPr/>
-        </p:nvSpPr>
-        <p:spPr>
-          <a:xfrm>
-            <a:off x="1128956" y="3323672"/>
-            <a:ext cx="3424999" cy="172128"/>
-          </a:xfrm>
-          <a:prstGeom prst="rect">
-            <a:avLst/>
-          </a:prstGeom>
-          <a:solidFill>
-            <a:schemeClr val="tx1">
-              <a:lumMod val="20000"/>
-              <a:lumOff val="80000"/>
-            </a:schemeClr>
-          </a:solidFill>
-          <a:ln w="19050">
-            <a:solidFill>
-              <a:schemeClr val="tx2"/>
-            </a:solidFill>
-          </a:ln>
-        </p:spPr>
-        <p:style>
-          <a:lnRef idx="2">
-            <a:schemeClr val="accent1">
-              <a:shade val="15000"/>
-            </a:schemeClr>
-          </a:lnRef>
-          <a:fillRef idx="1">
-            <a:schemeClr val="accent1"/>
-          </a:fillRef>
-          <a:effectRef idx="0">
-            <a:schemeClr val="accent1"/>
-          </a:effectRef>
-          <a:fontRef idx="minor">
-            <a:schemeClr val="lt1"/>
-          </a:fontRef>
-        </p:style>
-        <p:txBody>
-          <a:bodyPr rtlCol="0" anchor="ctr"/>
-          <a:lstStyle/>
-          <a:p>
-            <a:pPr algn="ctr"/>
-            <a:r>
-              <a:rPr lang="de-DE" sz="1400" b="1" dirty="0">
-                <a:solidFill>
-                  <a:srgbClr val="000000"/>
-                </a:solidFill>
-              </a:rPr>
-              <a:t>Method </a:t>
-            </a:r>
-            <a:r>
-              <a:rPr lang="de-DE" sz="1400" b="1" dirty="0" err="1">
-                <a:solidFill>
-                  <a:srgbClr val="000000"/>
-                </a:solidFill>
-              </a:rPr>
-              <a:t>Step</a:t>
-            </a:r>
-            <a:r>
-              <a:rPr lang="de-DE" sz="1400" b="1" dirty="0">
-                <a:solidFill>
-                  <a:srgbClr val="000000"/>
-                </a:solidFill>
-              </a:rPr>
-              <a:t> I</a:t>
-            </a:r>
-          </a:p>
-        </p:txBody>
-      </p:sp>
-      <p:sp>
-        <p:nvSpPr>
-          <p:cNvPr id="13" name="Rechteck 12">
-            <a:extLst>
-              <a:ext uri="{FF2B5EF4-FFF2-40B4-BE49-F238E27FC236}">
-                <a16:creationId xmlns:a16="http://schemas.microsoft.com/office/drawing/2014/main" id="{12A16620-F173-52F9-77F9-73E987421D9C}"/>
-              </a:ext>
-            </a:extLst>
-          </p:cNvPr>
-          <p:cNvSpPr/>
-          <p:nvPr/>
-        </p:nvSpPr>
-        <p:spPr>
-          <a:xfrm>
-            <a:off x="1128956" y="3570807"/>
-            <a:ext cx="3424999" cy="606774"/>
-          </a:xfrm>
-          <a:prstGeom prst="rect">
-            <a:avLst/>
-          </a:prstGeom>
-          <a:solidFill>
-            <a:schemeClr val="tx1">
-              <a:lumMod val="20000"/>
-              <a:lumOff val="80000"/>
-            </a:schemeClr>
-          </a:solidFill>
-          <a:ln w="19050">
-            <a:solidFill>
-              <a:schemeClr val="tx2"/>
-            </a:solidFill>
-          </a:ln>
-        </p:spPr>
-        <p:style>
-          <a:lnRef idx="2">
-            <a:schemeClr val="accent1">
-              <a:shade val="15000"/>
-            </a:schemeClr>
-          </a:lnRef>
-          <a:fillRef idx="1">
-            <a:schemeClr val="accent1"/>
-          </a:fillRef>
-          <a:effectRef idx="0">
-            <a:schemeClr val="accent1"/>
-          </a:effectRef>
-          <a:fontRef idx="minor">
-            <a:schemeClr val="lt1"/>
-          </a:fontRef>
-        </p:style>
-        <p:txBody>
-          <a:bodyPr rtlCol="0" anchor="t"/>
-          <a:lstStyle/>
-          <a:p>
-            <a:pPr algn="ctr"/>
-            <a:r>
-              <a:rPr lang="de-DE" sz="1400" b="1" dirty="0" err="1">
-                <a:solidFill>
-                  <a:srgbClr val="000000"/>
-                </a:solidFill>
-              </a:rPr>
-              <a:t>Results</a:t>
-            </a:r>
-            <a:r>
-              <a:rPr lang="de-DE" sz="1400" b="1" dirty="0">
-                <a:solidFill>
-                  <a:srgbClr val="000000"/>
-                </a:solidFill>
-              </a:rPr>
-              <a:t>: </a:t>
-            </a:r>
-            <a:r>
-              <a:rPr lang="de-DE" sz="1400" b="1" dirty="0" err="1">
-                <a:solidFill>
-                  <a:srgbClr val="000000"/>
-                </a:solidFill>
-              </a:rPr>
-              <a:t>Step</a:t>
-            </a:r>
-            <a:r>
-              <a:rPr lang="de-DE" sz="1400" b="1" dirty="0">
-                <a:solidFill>
-                  <a:srgbClr val="000000"/>
-                </a:solidFill>
-              </a:rPr>
-              <a:t> I</a:t>
-            </a:r>
-          </a:p>
-          <a:p>
-            <a:pPr algn="ctr"/>
-            <a:endParaRPr lang="de-DE" sz="800" b="1" dirty="0">
-              <a:solidFill>
-                <a:srgbClr val="000000"/>
-              </a:solidFill>
-            </a:endParaRPr>
-          </a:p>
-          <a:p>
-            <a:pPr algn="ctr"/>
-            <a:r>
-              <a:rPr lang="de-DE" sz="1100" dirty="0">
-                <a:solidFill>
-                  <a:schemeClr val="tx2"/>
-                </a:solidFill>
-              </a:rPr>
-              <a:t>AIT</a:t>
-            </a:r>
-            <a:endParaRPr lang="de-DE" sz="1400" dirty="0">
-              <a:solidFill>
-                <a:schemeClr val="tx2"/>
-              </a:solidFill>
-            </a:endParaRPr>
-          </a:p>
-        </p:txBody>
-      </p:sp>
-      <p:sp>
-        <p:nvSpPr>
-          <p:cNvPr id="14" name="Rechteck 13">
-            <a:extLst>
-              <a:ext uri="{FF2B5EF4-FFF2-40B4-BE49-F238E27FC236}">
-                <a16:creationId xmlns:a16="http://schemas.microsoft.com/office/drawing/2014/main" id="{748EB6BB-6221-3309-4955-D79D8F21D4D0}"/>
-              </a:ext>
-            </a:extLst>
-          </p:cNvPr>
-          <p:cNvSpPr/>
-          <p:nvPr/>
-        </p:nvSpPr>
-        <p:spPr>
-          <a:xfrm>
-            <a:off x="1128956" y="4252588"/>
-            <a:ext cx="3424999" cy="460096"/>
-          </a:xfrm>
-          <a:prstGeom prst="rect">
-            <a:avLst/>
-          </a:prstGeom>
-          <a:solidFill>
-            <a:schemeClr val="tx1">
-              <a:lumMod val="20000"/>
-              <a:lumOff val="80000"/>
-            </a:schemeClr>
-          </a:solidFill>
-          <a:ln w="19050">
-            <a:solidFill>
-              <a:schemeClr val="tx2"/>
-            </a:solidFill>
-          </a:ln>
-        </p:spPr>
-        <p:style>
-          <a:lnRef idx="2">
-            <a:schemeClr val="accent1">
-              <a:shade val="15000"/>
-            </a:schemeClr>
-          </a:lnRef>
-          <a:fillRef idx="1">
-            <a:schemeClr val="accent1"/>
-          </a:fillRef>
-          <a:effectRef idx="0">
-            <a:schemeClr val="accent1"/>
-          </a:effectRef>
-          <a:fontRef idx="minor">
-            <a:schemeClr val="lt1"/>
-          </a:fontRef>
-        </p:style>
-        <p:txBody>
-          <a:bodyPr rtlCol="0" anchor="t"/>
-          <a:lstStyle/>
-          <a:p>
-            <a:pPr algn="ctr"/>
-            <a:r>
-              <a:rPr lang="de-DE" sz="1400" b="1" dirty="0">
-                <a:solidFill>
-                  <a:srgbClr val="000000"/>
-                </a:solidFill>
-              </a:rPr>
-              <a:t>Method </a:t>
-            </a:r>
-            <a:r>
-              <a:rPr lang="de-DE" sz="1400" b="1" dirty="0" err="1">
-                <a:solidFill>
-                  <a:srgbClr val="000000"/>
-                </a:solidFill>
-              </a:rPr>
-              <a:t>Step</a:t>
-            </a:r>
-            <a:r>
-              <a:rPr lang="de-DE" sz="1400" b="1" dirty="0">
-                <a:solidFill>
-                  <a:srgbClr val="000000"/>
-                </a:solidFill>
-              </a:rPr>
-              <a:t> II</a:t>
-            </a:r>
-          </a:p>
-        </p:txBody>
-      </p:sp>
-      <p:sp>
-        <p:nvSpPr>
-          <p:cNvPr id="23" name="Rechteck 22">
-            <a:extLst>
-              <a:ext uri="{FF2B5EF4-FFF2-40B4-BE49-F238E27FC236}">
-                <a16:creationId xmlns:a16="http://schemas.microsoft.com/office/drawing/2014/main" id="{3EAB3761-FFAE-DB03-6BA1-81E974268F23}"/>
-              </a:ext>
-            </a:extLst>
-          </p:cNvPr>
-          <p:cNvSpPr/>
-          <p:nvPr/>
-        </p:nvSpPr>
-        <p:spPr>
-          <a:xfrm>
-            <a:off x="1" y="6256981"/>
-            <a:ext cx="1820008" cy="538584"/>
-          </a:xfrm>
-          <a:prstGeom prst="rect">
-            <a:avLst/>
-          </a:prstGeom>
-          <a:solidFill>
-            <a:schemeClr val="bg1"/>
-          </a:solidFill>
-          <a:ln>
-            <a:noFill/>
-          </a:ln>
-        </p:spPr>
-        <p:style>
-          <a:lnRef idx="2">
-            <a:schemeClr val="accent1">
-              <a:shade val="15000"/>
-            </a:schemeClr>
-          </a:lnRef>
-          <a:fillRef idx="1">
-            <a:schemeClr val="accent1"/>
-          </a:fillRef>
-          <a:effectRef idx="0">
-            <a:schemeClr val="accent1"/>
-          </a:effectRef>
-          <a:fontRef idx="minor">
-            <a:schemeClr val="lt1"/>
-          </a:fontRef>
-        </p:style>
-        <p:txBody>
-          <a:bodyPr rtlCol="0" anchor="ctr"/>
-          <a:lstStyle/>
-          <a:p>
-            <a:pPr algn="ctr"/>
-            <a:endParaRPr lang="de-DE"/>
-          </a:p>
-        </p:txBody>
-      </p:sp>
-      <p:sp>
-        <p:nvSpPr>
-          <p:cNvPr id="15" name="Rechteck 14">
-            <a:extLst>
-              <a:ext uri="{FF2B5EF4-FFF2-40B4-BE49-F238E27FC236}">
-                <a16:creationId xmlns:a16="http://schemas.microsoft.com/office/drawing/2014/main" id="{7C8CD4DD-8B2A-26D5-8363-3E66F44E9425}"/>
-              </a:ext>
-            </a:extLst>
-          </p:cNvPr>
-          <p:cNvSpPr/>
-          <p:nvPr/>
-        </p:nvSpPr>
-        <p:spPr>
-          <a:xfrm>
-            <a:off x="1128956" y="4791242"/>
-            <a:ext cx="3424999" cy="927154"/>
-          </a:xfrm>
-          <a:prstGeom prst="rect">
-            <a:avLst/>
-          </a:prstGeom>
-          <a:solidFill>
-            <a:schemeClr val="tx1">
-              <a:lumMod val="20000"/>
-              <a:lumOff val="80000"/>
-            </a:schemeClr>
-          </a:solidFill>
-          <a:ln w="19050">
-            <a:solidFill>
-              <a:schemeClr val="tx2"/>
-            </a:solidFill>
-          </a:ln>
-        </p:spPr>
-        <p:style>
-          <a:lnRef idx="2">
-            <a:schemeClr val="accent1">
-              <a:shade val="15000"/>
-            </a:schemeClr>
-          </a:lnRef>
-          <a:fillRef idx="1">
-            <a:schemeClr val="accent1"/>
-          </a:fillRef>
-          <a:effectRef idx="0">
-            <a:schemeClr val="accent1"/>
-          </a:effectRef>
-          <a:fontRef idx="minor">
-            <a:schemeClr val="lt1"/>
-          </a:fontRef>
-        </p:style>
-        <p:txBody>
-          <a:bodyPr rtlCol="0" anchor="t"/>
-          <a:lstStyle/>
-          <a:p>
-            <a:pPr algn="ctr"/>
-            <a:r>
-              <a:rPr lang="de-DE" sz="1400" b="1" dirty="0" err="1">
-                <a:solidFill>
-                  <a:srgbClr val="000000"/>
-                </a:solidFill>
-              </a:rPr>
-              <a:t>Results</a:t>
-            </a:r>
-            <a:r>
-              <a:rPr lang="de-DE" sz="1400" b="1" dirty="0">
-                <a:solidFill>
-                  <a:srgbClr val="000000"/>
-                </a:solidFill>
-              </a:rPr>
-              <a:t>: </a:t>
-            </a:r>
-            <a:r>
-              <a:rPr lang="de-DE" sz="1400" b="1" dirty="0" err="1">
-                <a:solidFill>
-                  <a:srgbClr val="000000"/>
-                </a:solidFill>
-              </a:rPr>
-              <a:t>Step</a:t>
-            </a:r>
-            <a:r>
-              <a:rPr lang="de-DE" sz="1400" b="1" dirty="0">
-                <a:solidFill>
-                  <a:srgbClr val="000000"/>
-                </a:solidFill>
-              </a:rPr>
-              <a:t> II</a:t>
-            </a:r>
-          </a:p>
-          <a:p>
-            <a:pPr algn="ctr"/>
-            <a:endParaRPr lang="de-DE" sz="800" b="1" dirty="0">
-              <a:solidFill>
-                <a:srgbClr val="000000"/>
-              </a:solidFill>
-            </a:endParaRPr>
-          </a:p>
-          <a:p>
-            <a:pPr algn="ctr"/>
-            <a:r>
-              <a:rPr lang="de-DE" sz="1100" dirty="0">
-                <a:solidFill>
-                  <a:srgbClr val="000000"/>
-                </a:solidFill>
-              </a:rPr>
-              <a:t>CAMs</a:t>
-            </a:r>
-            <a:endParaRPr lang="de-DE" sz="1400" dirty="0">
-              <a:solidFill>
-                <a:srgbClr val="000000"/>
-              </a:solidFill>
-            </a:endParaRPr>
-          </a:p>
-        </p:txBody>
-      </p:sp>
-      <p:sp>
-        <p:nvSpPr>
-          <p:cNvPr id="16" name="Rechteck 15">
-            <a:extLst>
-              <a:ext uri="{FF2B5EF4-FFF2-40B4-BE49-F238E27FC236}">
-                <a16:creationId xmlns:a16="http://schemas.microsoft.com/office/drawing/2014/main" id="{60265ECB-6603-95A8-DF82-A3EF58600566}"/>
-              </a:ext>
-            </a:extLst>
-          </p:cNvPr>
-          <p:cNvSpPr/>
-          <p:nvPr/>
-        </p:nvSpPr>
-        <p:spPr>
-          <a:xfrm>
-            <a:off x="1128956" y="5793404"/>
-            <a:ext cx="3424999" cy="927154"/>
-          </a:xfrm>
-          <a:prstGeom prst="rect">
-            <a:avLst/>
-          </a:prstGeom>
-          <a:solidFill>
-            <a:schemeClr val="tx1">
-              <a:lumMod val="20000"/>
-              <a:lumOff val="80000"/>
-            </a:schemeClr>
-          </a:solidFill>
-          <a:ln w="19050">
-            <a:solidFill>
-              <a:schemeClr val="tx2"/>
-            </a:solidFill>
-          </a:ln>
-        </p:spPr>
-        <p:style>
-          <a:lnRef idx="2">
-            <a:schemeClr val="accent1">
-              <a:shade val="15000"/>
-            </a:schemeClr>
-          </a:lnRef>
-          <a:fillRef idx="1">
-            <a:schemeClr val="accent1"/>
-          </a:fillRef>
-          <a:effectRef idx="0">
-            <a:schemeClr val="accent1"/>
-          </a:effectRef>
-          <a:fontRef idx="minor">
-            <a:schemeClr val="lt1"/>
-          </a:fontRef>
-        </p:style>
-        <p:txBody>
-          <a:bodyPr rtlCol="0" anchor="t"/>
-          <a:lstStyle/>
-          <a:p>
-            <a:pPr algn="ctr"/>
-            <a:r>
-              <a:rPr lang="de-DE" sz="1400" b="1" dirty="0" err="1">
-                <a:solidFill>
-                  <a:srgbClr val="000000"/>
-                </a:solidFill>
-              </a:rPr>
-              <a:t>Discussion</a:t>
-            </a:r>
-            <a:endParaRPr lang="de-DE" sz="1400" b="1" dirty="0">
-              <a:solidFill>
-                <a:srgbClr val="000000"/>
-              </a:solidFill>
-            </a:endParaRPr>
-          </a:p>
-          <a:p>
-            <a:pPr algn="ctr"/>
-            <a:endParaRPr lang="de-DE" sz="800" b="1" dirty="0">
-              <a:solidFill>
-                <a:srgbClr val="000000"/>
-              </a:solidFill>
-            </a:endParaRPr>
-          </a:p>
-          <a:p>
-            <a:pPr algn="ctr"/>
-            <a:r>
-              <a:rPr lang="de-DE" sz="1100" dirty="0">
-                <a:solidFill>
-                  <a:srgbClr val="000000"/>
-                </a:solidFill>
-              </a:rPr>
-              <a:t>Main Outcomes</a:t>
-            </a:r>
-          </a:p>
-          <a:p>
-            <a:pPr algn="ctr"/>
-            <a:r>
-              <a:rPr lang="de-DE" sz="1100" dirty="0" err="1">
-                <a:solidFill>
-                  <a:srgbClr val="000000"/>
-                </a:solidFill>
-              </a:rPr>
-              <a:t>Comparison</a:t>
-            </a:r>
-            <a:r>
-              <a:rPr lang="de-DE" sz="1100" dirty="0">
-                <a:solidFill>
-                  <a:srgbClr val="000000"/>
-                </a:solidFill>
-              </a:rPr>
-              <a:t> AIT vs. CAMs</a:t>
+              <a:t>6. Employed Large Language Model (ChatGPT-4o) to semi-automatically summarize categories</a:t>
             </a:r>
           </a:p>
         </p:txBody>
       </p:sp>
       <p:cxnSp>
         <p:nvCxnSpPr>
-          <p:cNvPr id="18" name="Gerade Verbindung mit Pfeil 17">
-            <a:extLst>
-              <a:ext uri="{FF2B5EF4-FFF2-40B4-BE49-F238E27FC236}">
-                <a16:creationId xmlns:a16="http://schemas.microsoft.com/office/drawing/2014/main" id="{640F5A2B-0035-0C02-F817-73D8B5ED52EC}"/>
+          <p:cNvPr id="21" name="Gerade Verbindung mit Pfeil 20">
+            <a:extLst>
+              <a:ext uri="{FF2B5EF4-FFF2-40B4-BE49-F238E27FC236}">
+                <a16:creationId xmlns:a16="http://schemas.microsoft.com/office/drawing/2014/main" id="{6A906738-1BB3-4778-B8AF-ABE9203D4F0C}"/>
               </a:ext>
             </a:extLst>
           </p:cNvPr>
           <p:cNvCxnSpPr>
             <a:cxnSpLocks/>
-            <a:stCxn id="7" idx="3"/>
+            <a:stCxn id="9" idx="2"/>
+            <a:endCxn id="12" idx="0"/>
           </p:cNvCxnSpPr>
           <p:nvPr/>
         </p:nvCxnSpPr>
         <p:spPr>
           <a:xfrm>
-            <a:off x="4553955" y="1297205"/>
-            <a:ext cx="876170" cy="0"/>
+            <a:off x="2970215" y="1153828"/>
+            <a:ext cx="1" cy="328322"/>
           </a:xfrm>
           <a:prstGeom prst="straightConnector1">
             <a:avLst/>
           </a:prstGeom>
-          <a:ln w="19050">
+          <a:ln w="57150">
             <a:tailEnd type="triangle"/>
           </a:ln>
         </p:spPr>
         <p:style>
-          <a:lnRef idx="1">
-            <a:schemeClr val="accent1"/>
+          <a:lnRef idx="2">
+            <a:schemeClr val="dk1"/>
           </a:lnRef>
           <a:fillRef idx="0">
-            <a:schemeClr val="accent1"/>
+            <a:schemeClr val="dk1"/>
           </a:fillRef>
-          <a:effectRef idx="0">
-            <a:schemeClr val="accent1"/>
+          <a:effectRef idx="1">
+            <a:schemeClr val="dk1"/>
           </a:effectRef>
           <a:fontRef idx="minor">
             <a:schemeClr val="tx1"/>
@@ -6350,40 +4640,41 @@
       </p:cxnSp>
       <p:cxnSp>
         <p:nvCxnSpPr>
-          <p:cNvPr id="21" name="Gerade Verbindung mit Pfeil 20">
-            <a:extLst>
-              <a:ext uri="{FF2B5EF4-FFF2-40B4-BE49-F238E27FC236}">
-                <a16:creationId xmlns:a16="http://schemas.microsoft.com/office/drawing/2014/main" id="{0DAD56D4-061A-AA48-3C44-6E5EF994BD74}"/>
+          <p:cNvPr id="26" name="Gerade Verbindung mit Pfeil 25">
+            <a:extLst>
+              <a:ext uri="{FF2B5EF4-FFF2-40B4-BE49-F238E27FC236}">
+                <a16:creationId xmlns:a16="http://schemas.microsoft.com/office/drawing/2014/main" id="{F191C607-BA59-4E6E-AB9E-2731E28C178E}"/>
               </a:ext>
             </a:extLst>
           </p:cNvPr>
           <p:cNvCxnSpPr>
             <a:cxnSpLocks/>
-            <a:stCxn id="9" idx="3"/>
+            <a:stCxn id="12" idx="2"/>
+            <a:endCxn id="13" idx="0"/>
           </p:cNvCxnSpPr>
           <p:nvPr/>
         </p:nvCxnSpPr>
         <p:spPr>
-          <a:xfrm flipV="1">
-            <a:off x="4553955" y="2059605"/>
-            <a:ext cx="876170" cy="334"/>
+          <a:xfrm flipH="1">
+            <a:off x="2970215" y="2434651"/>
+            <a:ext cx="1" cy="322118"/>
           </a:xfrm>
           <a:prstGeom prst="straightConnector1">
             <a:avLst/>
           </a:prstGeom>
-          <a:ln w="19050">
+          <a:ln w="57150">
             <a:tailEnd type="triangle"/>
           </a:ln>
         </p:spPr>
         <p:style>
-          <a:lnRef idx="1">
-            <a:schemeClr val="accent1"/>
+          <a:lnRef idx="2">
+            <a:schemeClr val="dk1"/>
           </a:lnRef>
           <a:fillRef idx="0">
-            <a:schemeClr val="accent1"/>
+            <a:schemeClr val="dk1"/>
           </a:fillRef>
-          <a:effectRef idx="0">
-            <a:schemeClr val="accent1"/>
+          <a:effectRef idx="1">
+            <a:schemeClr val="dk1"/>
           </a:effectRef>
           <a:fontRef idx="minor">
             <a:schemeClr val="tx1"/>
@@ -6392,490 +4683,135 @@
       </p:cxnSp>
       <p:cxnSp>
         <p:nvCxnSpPr>
-          <p:cNvPr id="24" name="Gerade Verbindung mit Pfeil 23">
-            <a:extLst>
-              <a:ext uri="{FF2B5EF4-FFF2-40B4-BE49-F238E27FC236}">
-                <a16:creationId xmlns:a16="http://schemas.microsoft.com/office/drawing/2014/main" id="{7C023E35-36BC-A0C3-8774-E377CE0283D0}"/>
+          <p:cNvPr id="28" name="Gerade Verbindung mit Pfeil 27">
+            <a:extLst>
+              <a:ext uri="{FF2B5EF4-FFF2-40B4-BE49-F238E27FC236}">
+                <a16:creationId xmlns:a16="http://schemas.microsoft.com/office/drawing/2014/main" id="{2F29BB3B-84CF-428A-8576-10512EB70ACF}"/>
               </a:ext>
             </a:extLst>
           </p:cNvPr>
           <p:cNvCxnSpPr>
             <a:cxnSpLocks/>
-            <a:stCxn id="16" idx="3"/>
+            <a:stCxn id="13" idx="2"/>
+            <a:endCxn id="17" idx="0"/>
           </p:cNvCxnSpPr>
           <p:nvPr/>
         </p:nvCxnSpPr>
         <p:spPr>
           <a:xfrm>
-            <a:off x="4553955" y="6256981"/>
-            <a:ext cx="876170" cy="0"/>
+            <a:off x="2970208" y="4438363"/>
+            <a:ext cx="0" cy="322118"/>
           </a:xfrm>
           <a:prstGeom prst="straightConnector1">
             <a:avLst/>
           </a:prstGeom>
-          <a:ln w="19050">
+          <a:ln w="57150">
             <a:tailEnd type="triangle"/>
           </a:ln>
         </p:spPr>
         <p:style>
-          <a:lnRef idx="1">
-            <a:schemeClr val="accent1"/>
+          <a:lnRef idx="2">
+            <a:schemeClr val="dk1"/>
           </a:lnRef>
           <a:fillRef idx="0">
-            <a:schemeClr val="accent1"/>
+            <a:schemeClr val="dk1"/>
           </a:fillRef>
-          <a:effectRef idx="0">
-            <a:schemeClr val="accent1"/>
+          <a:effectRef idx="1">
+            <a:schemeClr val="dk1"/>
           </a:effectRef>
           <a:fontRef idx="minor">
             <a:schemeClr val="tx1"/>
           </a:fontRef>
         </p:style>
       </p:cxnSp>
-      <p:sp>
-        <p:nvSpPr>
-          <p:cNvPr id="2" name="Textfeld 1">
-            <a:extLst>
-              <a:ext uri="{FF2B5EF4-FFF2-40B4-BE49-F238E27FC236}">
-                <a16:creationId xmlns:a16="http://schemas.microsoft.com/office/drawing/2014/main" id="{7446A323-8459-8396-1532-C74ABEBF63EF}"/>
-              </a:ext>
-            </a:extLst>
-          </p:cNvPr>
-          <p:cNvSpPr txBox="1"/>
-          <p:nvPr/>
-        </p:nvSpPr>
-        <p:spPr>
-          <a:xfrm>
-            <a:off x="5430125" y="1145078"/>
-            <a:ext cx="6608224" cy="523220"/>
-          </a:xfrm>
-          <a:prstGeom prst="rect">
-            <a:avLst/>
-          </a:prstGeom>
-          <a:noFill/>
-        </p:spPr>
-        <p:txBody>
-          <a:bodyPr wrap="square" rtlCol="0">
-            <a:spAutoFit/>
-          </a:bodyPr>
-          <a:lstStyle/>
-          <a:p>
-            <a:r>
-              <a:rPr lang="pt-BR" sz="1400" dirty="0">
-                <a:solidFill>
-                  <a:schemeClr val="tx2"/>
-                </a:solidFill>
-              </a:rPr>
-              <a:t>Themenrelevanz (Climate Policy, pol. vs. indiv. Verhalten, Prävalenz, usw.), Fokus auf Narrative</a:t>
-            </a:r>
-          </a:p>
-        </p:txBody>
-      </p:sp>
-      <p:sp>
-        <p:nvSpPr>
-          <p:cNvPr id="3" name="Textfeld 2">
-            <a:extLst>
-              <a:ext uri="{FF2B5EF4-FFF2-40B4-BE49-F238E27FC236}">
-                <a16:creationId xmlns:a16="http://schemas.microsoft.com/office/drawing/2014/main" id="{E4086B6E-4B09-AADC-66E7-DBDB66ADC3AD}"/>
-              </a:ext>
-            </a:extLst>
-          </p:cNvPr>
-          <p:cNvSpPr txBox="1"/>
-          <p:nvPr/>
-        </p:nvSpPr>
-        <p:spPr>
-          <a:xfrm>
-            <a:off x="5430125" y="1905716"/>
-            <a:ext cx="5832821" cy="523220"/>
-          </a:xfrm>
-          <a:prstGeom prst="rect">
-            <a:avLst/>
-          </a:prstGeom>
-          <a:noFill/>
-        </p:spPr>
-        <p:txBody>
-          <a:bodyPr wrap="square" rtlCol="0">
-            <a:spAutoFit/>
-          </a:bodyPr>
-          <a:lstStyle/>
-          <a:p>
-            <a:r>
-              <a:rPr lang="pt-BR" sz="1400" dirty="0">
-                <a:solidFill>
-                  <a:schemeClr val="tx2"/>
-                </a:solidFill>
-              </a:rPr>
-              <a:t>Einteilung in low vs. high (LCA) → Max-Kon-Min-Prinzip, Beschreibung Two-Part-Study</a:t>
-            </a:r>
-          </a:p>
-        </p:txBody>
-      </p:sp>
       <p:cxnSp>
         <p:nvCxnSpPr>
-          <p:cNvPr id="8" name="Gerade Verbindung mit Pfeil 7">
-            <a:extLst>
-              <a:ext uri="{FF2B5EF4-FFF2-40B4-BE49-F238E27FC236}">
-                <a16:creationId xmlns:a16="http://schemas.microsoft.com/office/drawing/2014/main" id="{F6D44998-56B6-C13C-C5E5-AA7EDBA16CDE}"/>
+          <p:cNvPr id="30" name="Gerade Verbindung mit Pfeil 29">
+            <a:extLst>
+              <a:ext uri="{FF2B5EF4-FFF2-40B4-BE49-F238E27FC236}">
+                <a16:creationId xmlns:a16="http://schemas.microsoft.com/office/drawing/2014/main" id="{2C71C63E-33E5-494F-B628-E0A95AB2D34D}"/>
               </a:ext>
             </a:extLst>
           </p:cNvPr>
           <p:cNvCxnSpPr>
-            <a:cxnSpLocks/>
-            <a:stCxn id="10" idx="3"/>
+            <a:stCxn id="17" idx="2"/>
+            <a:endCxn id="18" idx="0"/>
           </p:cNvCxnSpPr>
           <p:nvPr/>
         </p:nvCxnSpPr>
         <p:spPr>
           <a:xfrm>
-            <a:off x="4553955" y="2908790"/>
-            <a:ext cx="876170" cy="0"/>
+            <a:off x="2970208" y="5712980"/>
+            <a:ext cx="0" cy="322118"/>
           </a:xfrm>
           <a:prstGeom prst="straightConnector1">
             <a:avLst/>
           </a:prstGeom>
-          <a:ln w="19050">
+          <a:ln w="57150">
             <a:tailEnd type="triangle"/>
           </a:ln>
         </p:spPr>
         <p:style>
-          <a:lnRef idx="1">
-            <a:schemeClr val="accent1"/>
+          <a:lnRef idx="2">
+            <a:schemeClr val="dk1"/>
           </a:lnRef>
           <a:fillRef idx="0">
-            <a:schemeClr val="accent1"/>
+            <a:schemeClr val="dk1"/>
           </a:fillRef>
-          <a:effectRef idx="0">
-            <a:schemeClr val="accent1"/>
+          <a:effectRef idx="1">
+            <a:schemeClr val="dk1"/>
           </a:effectRef>
           <a:fontRef idx="minor">
             <a:schemeClr val="tx1"/>
           </a:fontRef>
         </p:style>
       </p:cxnSp>
-      <p:sp>
-        <p:nvSpPr>
-          <p:cNvPr id="20" name="Textfeld 19">
-            <a:extLst>
-              <a:ext uri="{FF2B5EF4-FFF2-40B4-BE49-F238E27FC236}">
-                <a16:creationId xmlns:a16="http://schemas.microsoft.com/office/drawing/2014/main" id="{93F0709E-C06B-7879-B874-92025ACD85C8}"/>
-              </a:ext>
-            </a:extLst>
-          </p:cNvPr>
-          <p:cNvSpPr txBox="1"/>
+      <p:cxnSp>
+        <p:nvCxnSpPr>
+          <p:cNvPr id="32" name="Gerade Verbindung mit Pfeil 31">
+            <a:extLst>
+              <a:ext uri="{FF2B5EF4-FFF2-40B4-BE49-F238E27FC236}">
+                <a16:creationId xmlns:a16="http://schemas.microsoft.com/office/drawing/2014/main" id="{ABF6618A-E05C-47F2-8A77-3A00EF480D00}"/>
+              </a:ext>
+            </a:extLst>
+          </p:cNvPr>
+          <p:cNvCxnSpPr>
+            <a:stCxn id="18" idx="2"/>
+            <a:endCxn id="19" idx="0"/>
+          </p:cNvCxnSpPr>
           <p:nvPr/>
-        </p:nvSpPr>
+        </p:nvCxnSpPr>
         <p:spPr>
           <a:xfrm>
-            <a:off x="5430125" y="2754900"/>
-            <a:ext cx="6608224" cy="307777"/>
+            <a:off x="2970208" y="6987597"/>
+            <a:ext cx="0" cy="327317"/>
           </a:xfrm>
-          <a:prstGeom prst="rect">
+          <a:prstGeom prst="straightConnector1">
             <a:avLst/>
           </a:prstGeom>
-          <a:noFill/>
+          <a:ln w="57150">
+            <a:tailEnd type="triangle"/>
+          </a:ln>
         </p:spPr>
-        <p:txBody>
-          <a:bodyPr wrap="square" rtlCol="0">
-            <a:spAutoFit/>
-          </a:bodyPr>
-          <a:lstStyle/>
-          <a:p>
-            <a:r>
-              <a:rPr lang="pt-BR" sz="1400" dirty="0">
-                <a:solidFill>
-                  <a:schemeClr val="tx2"/>
-                </a:solidFill>
-              </a:rPr>
-              <a:t>Stichprobe, Durchführung (t1 &amp; t2), Coding Guidelines (Ablaufschema) </a:t>
-            </a:r>
-          </a:p>
-        </p:txBody>
-      </p:sp>
-      <p:sp>
-        <p:nvSpPr>
-          <p:cNvPr id="22" name="Textfeld 21">
-            <a:extLst>
-              <a:ext uri="{FF2B5EF4-FFF2-40B4-BE49-F238E27FC236}">
-                <a16:creationId xmlns:a16="http://schemas.microsoft.com/office/drawing/2014/main" id="{C9CE58C7-4F0D-0F88-FAA5-381DF5C322AE}"/>
-              </a:ext>
-            </a:extLst>
-          </p:cNvPr>
-          <p:cNvSpPr txBox="1"/>
-          <p:nvPr/>
-        </p:nvSpPr>
-        <p:spPr>
-          <a:xfrm>
-            <a:off x="5430125" y="6103092"/>
-            <a:ext cx="6608224" cy="307777"/>
-          </a:xfrm>
-          <a:prstGeom prst="rect">
-            <a:avLst/>
-          </a:prstGeom>
-          <a:noFill/>
-        </p:spPr>
-        <p:txBody>
-          <a:bodyPr wrap="square" rtlCol="0">
-            <a:spAutoFit/>
-          </a:bodyPr>
-          <a:lstStyle/>
-          <a:p>
-            <a:r>
-              <a:rPr lang="pt-BR" sz="1400" dirty="0">
-                <a:solidFill>
-                  <a:schemeClr val="tx2"/>
-                </a:solidFill>
-              </a:rPr>
-              <a:t>Fokus auf Policy-Aspekt für anwendungsorientierte Journals</a:t>
-            </a:r>
-          </a:p>
-        </p:txBody>
-      </p:sp>
+        <p:style>
+          <a:lnRef idx="2">
+            <a:schemeClr val="dk1"/>
+          </a:lnRef>
+          <a:fillRef idx="0">
+            <a:schemeClr val="dk1"/>
+          </a:fillRef>
+          <a:effectRef idx="1">
+            <a:schemeClr val="dk1"/>
+          </a:effectRef>
+          <a:fontRef idx="minor">
+            <a:schemeClr val="tx1"/>
+          </a:fontRef>
+        </p:style>
+      </p:cxnSp>
     </p:spTree>
     <p:extLst>
       <p:ext uri="{BB962C8B-B14F-4D97-AF65-F5344CB8AC3E}">
-        <p14:creationId xmlns:p14="http://schemas.microsoft.com/office/powerpoint/2010/main" val="218996538"/>
-      </p:ext>
-    </p:extLst>
-  </p:cSld>
-  <p:clrMapOvr>
-    <a:masterClrMapping/>
-  </p:clrMapOvr>
-</p:sld>
-</file>
-
-<file path=ppt/slides/slide3.xml><?xml version="1.0" encoding="utf-8"?>
-<p:sld xmlns:a="http://schemas.openxmlformats.org/drawingml/2006/main" xmlns:r="http://schemas.openxmlformats.org/officeDocument/2006/relationships" xmlns:p="http://schemas.openxmlformats.org/presentationml/2006/main">
-  <p:cSld>
-    <p:spTree>
-      <p:nvGrpSpPr>
-        <p:cNvPr id="1" name=""/>
-        <p:cNvGrpSpPr/>
-        <p:nvPr/>
-      </p:nvGrpSpPr>
-      <p:grpSpPr>
-        <a:xfrm>
-          <a:off x="0" y="0"/>
-          <a:ext cx="0" cy="0"/>
-          <a:chOff x="0" y="0"/>
-          <a:chExt cx="0" cy="0"/>
-        </a:xfrm>
-      </p:grpSpPr>
-      <p:sp>
-        <p:nvSpPr>
-          <p:cNvPr id="4" name="Datumsplatzhalter 3">
-            <a:extLst>
-              <a:ext uri="{FF2B5EF4-FFF2-40B4-BE49-F238E27FC236}">
-                <a16:creationId xmlns:a16="http://schemas.microsoft.com/office/drawing/2014/main" id="{1E939455-8BD5-21DE-BE0A-8B3BDCFB22B0}"/>
-              </a:ext>
-              <a:ext uri="{C183D7F6-B498-43B3-948B-1728B52AA6E4}">
-                <adec:decorative xmlns:adec="http://schemas.microsoft.com/office/drawing/2017/decorative" val="1"/>
-              </a:ext>
-            </a:extLst>
-          </p:cNvPr>
-          <p:cNvSpPr>
-            <a:spLocks noGrp="1"/>
-          </p:cNvSpPr>
-          <p:nvPr>
-            <p:ph type="dt" sz="half" idx="14"/>
-          </p:nvPr>
-        </p:nvSpPr>
-        <p:spPr/>
-        <p:txBody>
-          <a:bodyPr/>
-          <a:lstStyle/>
-          <a:p>
-            <a:fld id="{80F28CED-CE5D-4E75-8322-B47CDC5AE153}" type="datetime4">
-              <a:rPr lang="de-DE" smtClean="0"/>
-              <a:t>1. August 2024</a:t>
-            </a:fld>
-            <a:endParaRPr lang="de-DE" dirty="0"/>
-          </a:p>
-        </p:txBody>
-      </p:sp>
-      <p:sp>
-        <p:nvSpPr>
-          <p:cNvPr id="5" name="Fußzeilenplatzhalter 4">
-            <a:extLst>
-              <a:ext uri="{FF2B5EF4-FFF2-40B4-BE49-F238E27FC236}">
-                <a16:creationId xmlns:a16="http://schemas.microsoft.com/office/drawing/2014/main" id="{EF3E551D-8223-4C1B-9389-A4D961DBF108}"/>
-              </a:ext>
-              <a:ext uri="{C183D7F6-B498-43B3-948B-1728B52AA6E4}">
-                <adec:decorative xmlns:adec="http://schemas.microsoft.com/office/drawing/2017/decorative" val="1"/>
-              </a:ext>
-            </a:extLst>
-          </p:cNvPr>
-          <p:cNvSpPr>
-            <a:spLocks noGrp="1"/>
-          </p:cNvSpPr>
-          <p:nvPr>
-            <p:ph type="ftr" sz="quarter" idx="15"/>
-          </p:nvPr>
-        </p:nvSpPr>
-        <p:spPr/>
-        <p:txBody>
-          <a:bodyPr/>
-          <a:lstStyle/>
-          <a:p>
-            <a:r>
-              <a:rPr lang="de-DE"/>
-              <a:t>Albert-Ludwigs-Universität Freiburg |</a:t>
-            </a:r>
-            <a:endParaRPr lang="de-DE" dirty="0"/>
-          </a:p>
-        </p:txBody>
-      </p:sp>
-      <p:sp>
-        <p:nvSpPr>
-          <p:cNvPr id="6" name="Foliennummernplatzhalter 5">
-            <a:extLst>
-              <a:ext uri="{FF2B5EF4-FFF2-40B4-BE49-F238E27FC236}">
-                <a16:creationId xmlns:a16="http://schemas.microsoft.com/office/drawing/2014/main" id="{C4328F87-7038-4E79-0168-B1095559D477}"/>
-              </a:ext>
-            </a:extLst>
-          </p:cNvPr>
-          <p:cNvSpPr>
-            <a:spLocks noGrp="1"/>
-          </p:cNvSpPr>
-          <p:nvPr>
-            <p:ph type="sldNum" sz="quarter" idx="16"/>
-          </p:nvPr>
-        </p:nvSpPr>
-        <p:spPr/>
-        <p:txBody>
-          <a:bodyPr/>
-          <a:lstStyle/>
-          <a:p>
-            <a:fld id="{C2571F0E-BA57-4409-A3A5-945CC828A36E}" type="slidenum">
-              <a:rPr lang="de-DE" smtClean="0"/>
-              <a:pPr/>
-              <a:t>3</a:t>
-            </a:fld>
-            <a:endParaRPr lang="de-DE" dirty="0"/>
-          </a:p>
-        </p:txBody>
-      </p:sp>
-      <p:pic>
-        <p:nvPicPr>
-          <p:cNvPr id="2" name="Grafik 1">
-            <a:extLst>
-              <a:ext uri="{FF2B5EF4-FFF2-40B4-BE49-F238E27FC236}">
-                <a16:creationId xmlns:a16="http://schemas.microsoft.com/office/drawing/2014/main" id="{E3A46E3A-237A-6043-647E-65E2D8EE5D0E}"/>
-              </a:ext>
-            </a:extLst>
-          </p:cNvPr>
-          <p:cNvPicPr>
-            <a:picLocks noChangeAspect="1"/>
-          </p:cNvPicPr>
-          <p:nvPr/>
-        </p:nvPicPr>
-        <p:blipFill rotWithShape="1">
-          <a:blip r:embed="rId3"/>
-          <a:srcRect t="634"/>
-          <a:stretch/>
-        </p:blipFill>
-        <p:spPr bwMode="auto">
-          <a:xfrm>
-            <a:off x="3803864" y="167781"/>
-            <a:ext cx="3404943" cy="6522438"/>
-          </a:xfrm>
-          <a:prstGeom prst="rect">
-            <a:avLst/>
-          </a:prstGeom>
-          <a:ln>
-            <a:noFill/>
-          </a:ln>
-          <a:extLst>
-            <a:ext uri="{53640926-AAD7-44D8-BBD7-CCE9431645EC}">
-              <a14:shadowObscured xmlns:a14="http://schemas.microsoft.com/office/drawing/2010/main"/>
-            </a:ext>
-          </a:extLst>
-        </p:spPr>
-      </p:pic>
-      <p:sp>
-        <p:nvSpPr>
-          <p:cNvPr id="3" name="Textfeld 2">
-            <a:extLst>
-              <a:ext uri="{FF2B5EF4-FFF2-40B4-BE49-F238E27FC236}">
-                <a16:creationId xmlns:a16="http://schemas.microsoft.com/office/drawing/2014/main" id="{11F635DC-D852-1672-45D5-B8994E1086A2}"/>
-              </a:ext>
-            </a:extLst>
-          </p:cNvPr>
-          <p:cNvSpPr txBox="1"/>
-          <p:nvPr/>
-        </p:nvSpPr>
-        <p:spPr>
-          <a:xfrm>
-            <a:off x="375857" y="1222883"/>
-            <a:ext cx="3592639" cy="369332"/>
-          </a:xfrm>
-          <a:prstGeom prst="rect">
-            <a:avLst/>
-          </a:prstGeom>
-          <a:noFill/>
-        </p:spPr>
-        <p:txBody>
-          <a:bodyPr wrap="square" rtlCol="0">
-            <a:spAutoFit/>
-          </a:bodyPr>
-          <a:lstStyle/>
-          <a:p>
-            <a:r>
-              <a:rPr lang="pt-BR" b="1" dirty="0">
-                <a:solidFill>
-                  <a:schemeClr val="tx2"/>
-                </a:solidFill>
-              </a:rPr>
-              <a:t>Datenaufbereitung (Empra):</a:t>
-            </a:r>
-          </a:p>
-        </p:txBody>
-      </p:sp>
-      <p:sp>
-        <p:nvSpPr>
-          <p:cNvPr id="11" name="Titel 6">
-            <a:extLst>
-              <a:ext uri="{FF2B5EF4-FFF2-40B4-BE49-F238E27FC236}">
-                <a16:creationId xmlns:a16="http://schemas.microsoft.com/office/drawing/2014/main" id="{6E175DAD-A666-08DC-8AE4-2A4D34BB5837}"/>
-              </a:ext>
-            </a:extLst>
-          </p:cNvPr>
-          <p:cNvSpPr>
-            <a:spLocks noGrp="1"/>
-          </p:cNvSpPr>
-          <p:nvPr>
-            <p:ph type="title"/>
-          </p:nvPr>
-        </p:nvSpPr>
-        <p:spPr>
-          <a:xfrm>
-            <a:off x="442913" y="365126"/>
-            <a:ext cx="5061775" cy="507330"/>
-          </a:xfrm>
-        </p:spPr>
-        <p:txBody>
-          <a:bodyPr/>
-          <a:lstStyle/>
-          <a:p>
-            <a:r>
-              <a:rPr lang="de-DE" sz="2800" b="1" dirty="0">
-                <a:solidFill>
-                  <a:schemeClr val="accent1"/>
-                </a:solidFill>
-              </a:rPr>
-              <a:t>Studiendesign</a:t>
-            </a:r>
-            <a:endParaRPr lang="de-DE" dirty="0">
-              <a:solidFill>
-                <a:srgbClr val="000000"/>
-              </a:solidFill>
-            </a:endParaRPr>
-          </a:p>
-        </p:txBody>
-      </p:sp>
-    </p:spTree>
-    <p:extLst>
-      <p:ext uri="{BB962C8B-B14F-4D97-AF65-F5344CB8AC3E}">
-        <p14:creationId xmlns:p14="http://schemas.microsoft.com/office/powerpoint/2010/main" val="1176707894"/>
+        <p14:creationId xmlns:p14="http://schemas.microsoft.com/office/powerpoint/2010/main" val="3096234446"/>
       </p:ext>
     </p:extLst>
   </p:cSld>
@@ -7172,18 +5108,22 @@
   </a:themeElements>
   <a:objectDefaults>
     <a:lnDef>
-      <a:spPr/>
+      <a:spPr>
+        <a:ln w="57150">
+          <a:tailEnd type="triangle"/>
+        </a:ln>
+      </a:spPr>
       <a:bodyPr/>
       <a:lstStyle/>
       <a:style>
         <a:lnRef idx="2">
-          <a:schemeClr val="accent1"/>
+          <a:schemeClr val="dk1"/>
         </a:lnRef>
         <a:fillRef idx="0">
-          <a:schemeClr val="accent1"/>
+          <a:schemeClr val="dk1"/>
         </a:fillRef>
         <a:effectRef idx="1">
-          <a:schemeClr val="accent1"/>
+          <a:schemeClr val="dk1"/>
         </a:effectRef>
         <a:fontRef idx="minor">
           <a:schemeClr val="tx1"/>

--- a/Materials/figures manually created/Fig. Overview of data preparation process.pptx
+++ b/Materials/figures manually created/Fig. Overview of data preparation process.pptx
@@ -197,7 +197,7 @@
           <a:p>
             <a:fld id="{68E57385-BFF9-429F-8B12-0940D9BFDC0F}" type="datetimeFigureOut">
               <a:rPr lang="en-US" smtClean="0"/>
-              <a:t>8/5/2024</a:t>
+              <a:t>11/19/2024</a:t>
             </a:fld>
             <a:endParaRPr lang="en-US"/>
           </a:p>
@@ -718,7 +718,7 @@
           <a:p>
             <a:fld id="{6C69BBB5-676D-4F44-9A00-181B7A6F52CE}" type="datetimeFigureOut">
               <a:rPr lang="de-DE" smtClean="0"/>
-              <a:t>05.08.2024</a:t>
+              <a:t>19.11.2024</a:t>
             </a:fld>
             <a:endParaRPr lang="de-DE"/>
           </a:p>
@@ -916,7 +916,7 @@
           <a:p>
             <a:fld id="{6C69BBB5-676D-4F44-9A00-181B7A6F52CE}" type="datetimeFigureOut">
               <a:rPr lang="de-DE" smtClean="0"/>
-              <a:t>05.08.2024</a:t>
+              <a:t>19.11.2024</a:t>
             </a:fld>
             <a:endParaRPr lang="de-DE"/>
           </a:p>
@@ -1124,7 +1124,7 @@
           <a:p>
             <a:fld id="{6C69BBB5-676D-4F44-9A00-181B7A6F52CE}" type="datetimeFigureOut">
               <a:rPr lang="de-DE" smtClean="0"/>
-              <a:t>05.08.2024</a:t>
+              <a:t>19.11.2024</a:t>
             </a:fld>
             <a:endParaRPr lang="de-DE"/>
           </a:p>
@@ -1332,7 +1332,7 @@
           <a:p>
             <a:fld id="{4EACA74D-5BE1-4B96-AD61-3AB0A5E02EC7}" type="datetime4">
               <a:rPr lang="de-DE" smtClean="0"/>
-              <a:t>5. August 2024</a:t>
+              <a:t>19. November 2024</a:t>
             </a:fld>
             <a:endParaRPr lang="de-DE" dirty="0"/>
           </a:p>
@@ -1571,7 +1571,7 @@
           <a:p>
             <a:fld id="{6C69BBB5-676D-4F44-9A00-181B7A6F52CE}" type="datetimeFigureOut">
               <a:rPr lang="de-DE" smtClean="0"/>
-              <a:t>05.08.2024</a:t>
+              <a:t>19.11.2024</a:t>
             </a:fld>
             <a:endParaRPr lang="de-DE"/>
           </a:p>
@@ -1846,7 +1846,7 @@
           <a:p>
             <a:fld id="{6C69BBB5-676D-4F44-9A00-181B7A6F52CE}" type="datetimeFigureOut">
               <a:rPr lang="de-DE" smtClean="0"/>
-              <a:t>05.08.2024</a:t>
+              <a:t>19.11.2024</a:t>
             </a:fld>
             <a:endParaRPr lang="de-DE"/>
           </a:p>
@@ -2111,7 +2111,7 @@
           <a:p>
             <a:fld id="{6C69BBB5-676D-4F44-9A00-181B7A6F52CE}" type="datetimeFigureOut">
               <a:rPr lang="de-DE" smtClean="0"/>
-              <a:t>05.08.2024</a:t>
+              <a:t>19.11.2024</a:t>
             </a:fld>
             <a:endParaRPr lang="de-DE"/>
           </a:p>
@@ -2523,7 +2523,7 @@
           <a:p>
             <a:fld id="{6C69BBB5-676D-4F44-9A00-181B7A6F52CE}" type="datetimeFigureOut">
               <a:rPr lang="de-DE" smtClean="0"/>
-              <a:t>05.08.2024</a:t>
+              <a:t>19.11.2024</a:t>
             </a:fld>
             <a:endParaRPr lang="de-DE"/>
           </a:p>
@@ -2664,7 +2664,7 @@
           <a:p>
             <a:fld id="{6C69BBB5-676D-4F44-9A00-181B7A6F52CE}" type="datetimeFigureOut">
               <a:rPr lang="de-DE" smtClean="0"/>
-              <a:t>05.08.2024</a:t>
+              <a:t>19.11.2024</a:t>
             </a:fld>
             <a:endParaRPr lang="de-DE"/>
           </a:p>
@@ -2777,7 +2777,7 @@
           <a:p>
             <a:fld id="{6C69BBB5-676D-4F44-9A00-181B7A6F52CE}" type="datetimeFigureOut">
               <a:rPr lang="de-DE" smtClean="0"/>
-              <a:t>05.08.2024</a:t>
+              <a:t>19.11.2024</a:t>
             </a:fld>
             <a:endParaRPr lang="de-DE"/>
           </a:p>
@@ -3088,7 +3088,7 @@
           <a:p>
             <a:fld id="{6C69BBB5-676D-4F44-9A00-181B7A6F52CE}" type="datetimeFigureOut">
               <a:rPr lang="de-DE" smtClean="0"/>
-              <a:t>05.08.2024</a:t>
+              <a:t>19.11.2024</a:t>
             </a:fld>
             <a:endParaRPr lang="de-DE"/>
           </a:p>
@@ -3376,7 +3376,7 @@
           <a:p>
             <a:fld id="{6C69BBB5-676D-4F44-9A00-181B7A6F52CE}" type="datetimeFigureOut">
               <a:rPr lang="de-DE" smtClean="0"/>
-              <a:t>05.08.2024</a:t>
+              <a:t>19.11.2024</a:t>
             </a:fld>
             <a:endParaRPr lang="de-DE"/>
           </a:p>
@@ -3617,7 +3617,7 @@
           <a:p>
             <a:fld id="{6C69BBB5-676D-4F44-9A00-181B7A6F52CE}" type="datetimeFigureOut">
               <a:rPr lang="de-DE" smtClean="0"/>
-              <a:t>05.08.2024</a:t>
+              <a:t>19.11.2024</a:t>
             </a:fld>
             <a:endParaRPr lang="de-DE"/>
           </a:p>
@@ -4049,8 +4049,8 @@
         </p:nvSpPr>
         <p:spPr>
           <a:xfrm>
-            <a:off x="1351934" y="201325"/>
-            <a:ext cx="3236550" cy="952500"/>
+            <a:off x="1170485" y="219611"/>
+            <a:ext cx="3599445" cy="952500"/>
           </a:xfrm>
           <a:prstGeom prst="rect">
             <a:avLst/>
@@ -4113,8 +4113,8 @@
         </p:nvSpPr>
         <p:spPr>
           <a:xfrm>
-            <a:off x="1351939" y="1482149"/>
-            <a:ext cx="3236551" cy="952500"/>
+            <a:off x="1170485" y="1482149"/>
+            <a:ext cx="3599445" cy="952500"/>
           </a:xfrm>
           <a:prstGeom prst="rect">
             <a:avLst/>
@@ -4417,8 +4417,8 @@
         </p:nvSpPr>
         <p:spPr>
           <a:xfrm>
-            <a:off x="1351939" y="4760478"/>
-            <a:ext cx="3236551" cy="952500"/>
+            <a:off x="1170485" y="4760478"/>
+            <a:ext cx="3599445" cy="952500"/>
           </a:xfrm>
           <a:prstGeom prst="rect">
             <a:avLst/>
@@ -4481,8 +4481,8 @@
         </p:nvSpPr>
         <p:spPr>
           <a:xfrm>
-            <a:off x="1351939" y="6035094"/>
-            <a:ext cx="3236551" cy="952500"/>
+            <a:off x="1170485" y="6035094"/>
+            <a:ext cx="3599445" cy="952500"/>
           </a:xfrm>
           <a:prstGeom prst="rect">
             <a:avLst/>
@@ -4526,7 +4526,7 @@
                   <a:schemeClr val="tx1"/>
                 </a:solidFill>
               </a:rPr>
-              <a:t>5. Applied quantitative analyses to investigate difference between categories differentiated by RR, SAR</a:t>
+              <a:t>5. Applied quantitative analyses to investigate difference between categories separately for(soft) RR, SAR</a:t>
             </a:r>
           </a:p>
         </p:txBody>
@@ -4545,8 +4545,8 @@
         </p:nvSpPr>
         <p:spPr>
           <a:xfrm>
-            <a:off x="1351939" y="7314911"/>
-            <a:ext cx="3236551" cy="952500"/>
+            <a:off x="1170485" y="7314910"/>
+            <a:ext cx="3599445" cy="1021693"/>
           </a:xfrm>
           <a:prstGeom prst="rect">
             <a:avLst/>
@@ -4590,7 +4590,7 @@
                   <a:schemeClr val="tx1"/>
                 </a:solidFill>
               </a:rPr>
-              <a:t>6. Employed Large Language Model (ChatGPT-4o) to semi-automatically summarize categories</a:t>
+              <a:t>6. Employed Large Language Models (Llama-3.1-70B-Instruct; gpt-3.5-turbo) to semi-automatically summarize categories</a:t>
             </a:r>
           </a:p>
         </p:txBody>
@@ -4613,8 +4613,8 @@
         </p:nvCxnSpPr>
         <p:spPr>
           <a:xfrm>
-            <a:off x="2970215" y="1153828"/>
-            <a:ext cx="1" cy="328322"/>
+            <a:off x="2970208" y="1172111"/>
+            <a:ext cx="0" cy="310038"/>
           </a:xfrm>
           <a:prstGeom prst="straightConnector1">
             <a:avLst/>
@@ -4655,9 +4655,9 @@
           <p:nvPr/>
         </p:nvCxnSpPr>
         <p:spPr>
-          <a:xfrm flipH="1">
-            <a:off x="2970215" y="2434651"/>
-            <a:ext cx="1" cy="322118"/>
+          <a:xfrm>
+            <a:off x="2970208" y="2434649"/>
+            <a:ext cx="5" cy="322121"/>
           </a:xfrm>
           <a:prstGeom prst="straightConnector1">
             <a:avLst/>
@@ -4698,9 +4698,9 @@
           <p:nvPr/>
         </p:nvCxnSpPr>
         <p:spPr>
-          <a:xfrm>
-            <a:off x="2970208" y="4438363"/>
-            <a:ext cx="0" cy="322118"/>
+          <a:xfrm flipH="1">
+            <a:off x="2970208" y="4438365"/>
+            <a:ext cx="5" cy="322113"/>
           </a:xfrm>
           <a:prstGeom prst="straightConnector1">
             <a:avLst/>
@@ -4734,6 +4734,7 @@
             </a:extLst>
           </p:cNvPr>
           <p:cNvCxnSpPr>
+            <a:cxnSpLocks/>
             <a:stCxn id="17" idx="2"/>
             <a:endCxn id="18" idx="0"/>
           </p:cNvCxnSpPr>
@@ -4741,8 +4742,8 @@
         </p:nvCxnSpPr>
         <p:spPr>
           <a:xfrm>
-            <a:off x="2970208" y="5712980"/>
-            <a:ext cx="0" cy="322118"/>
+            <a:off x="2970208" y="5712978"/>
+            <a:ext cx="0" cy="322116"/>
           </a:xfrm>
           <a:prstGeom prst="straightConnector1">
             <a:avLst/>
@@ -4776,6 +4777,7 @@
             </a:extLst>
           </p:cNvPr>
           <p:cNvCxnSpPr>
+            <a:cxnSpLocks/>
             <a:stCxn id="18" idx="2"/>
             <a:endCxn id="19" idx="0"/>
           </p:cNvCxnSpPr>
@@ -4783,8 +4785,8 @@
         </p:nvCxnSpPr>
         <p:spPr>
           <a:xfrm>
-            <a:off x="2970208" y="6987597"/>
-            <a:ext cx="0" cy="327317"/>
+            <a:off x="2970208" y="6987594"/>
+            <a:ext cx="0" cy="327316"/>
           </a:xfrm>
           <a:prstGeom prst="straightConnector1">
             <a:avLst/>
